--- a/slides/Chapter01-Variables and Expressions.pptx
+++ b/slides/Chapter01-Variables and Expressions.pptx
@@ -8,42 +8,43 @@
     <p:sldMasterId id="2147483717" r:id="rId4"/>
   </p:sldMasterIdLst>
   <p:notesMasterIdLst>
-    <p:notesMasterId r:id="rId23"/>
+    <p:notesMasterId r:id="rId24"/>
   </p:notesMasterIdLst>
   <p:sldIdLst>
     <p:sldId id="256" r:id="rId5"/>
-    <p:sldId id="257" r:id="rId6"/>
-    <p:sldId id="258" r:id="rId7"/>
-    <p:sldId id="259" r:id="rId8"/>
-    <p:sldId id="260" r:id="rId9"/>
-    <p:sldId id="261" r:id="rId10"/>
-    <p:sldId id="262" r:id="rId11"/>
-    <p:sldId id="263" r:id="rId12"/>
-    <p:sldId id="264" r:id="rId13"/>
-    <p:sldId id="265" r:id="rId14"/>
-    <p:sldId id="266" r:id="rId15"/>
-    <p:sldId id="267" r:id="rId16"/>
-    <p:sldId id="268" r:id="rId17"/>
-    <p:sldId id="269" r:id="rId18"/>
-    <p:sldId id="270" r:id="rId19"/>
-    <p:sldId id="271" r:id="rId20"/>
-    <p:sldId id="272" r:id="rId21"/>
-    <p:sldId id="273" r:id="rId22"/>
+    <p:sldId id="274" r:id="rId6"/>
+    <p:sldId id="257" r:id="rId7"/>
+    <p:sldId id="258" r:id="rId8"/>
+    <p:sldId id="259" r:id="rId9"/>
+    <p:sldId id="260" r:id="rId10"/>
+    <p:sldId id="261" r:id="rId11"/>
+    <p:sldId id="262" r:id="rId12"/>
+    <p:sldId id="263" r:id="rId13"/>
+    <p:sldId id="264" r:id="rId14"/>
+    <p:sldId id="265" r:id="rId15"/>
+    <p:sldId id="266" r:id="rId16"/>
+    <p:sldId id="267" r:id="rId17"/>
+    <p:sldId id="268" r:id="rId18"/>
+    <p:sldId id="269" r:id="rId19"/>
+    <p:sldId id="270" r:id="rId20"/>
+    <p:sldId id="271" r:id="rId21"/>
+    <p:sldId id="272" r:id="rId22"/>
+    <p:sldId id="273" r:id="rId23"/>
   </p:sldIdLst>
   <p:sldSz cx="16256000" cy="9144000"/>
   <p:notesSz cx="6858000" cy="9144000"/>
   <p:embeddedFontLst>
     <p:embeddedFont>
-      <p:font typeface="Cabin" panose="020B0604020202020204" charset="0"/>
-      <p:regular r:id="rId24"/>
-      <p:bold r:id="rId25"/>
-      <p:italic r:id="rId26"/>
-      <p:boldItalic r:id="rId27"/>
+      <p:font typeface="Merriweather Sans" panose="020B0604020202020204" charset="0"/>
+      <p:italic r:id="rId25"/>
+      <p:boldItalic r:id="rId26"/>
     </p:embeddedFont>
     <p:embeddedFont>
-      <p:font typeface="Merriweather Sans" panose="020B0604020202020204" charset="0"/>
-      <p:italic r:id="rId28"/>
-      <p:boldItalic r:id="rId29"/>
+      <p:font typeface="Cabin" panose="020B0604020202020204" charset="0"/>
+      <p:regular r:id="rId27"/>
+      <p:bold r:id="rId28"/>
+      <p:italic r:id="rId29"/>
+      <p:boldItalic r:id="rId30"/>
     </p:embeddedFont>
   </p:embeddedFontLst>
   <p:defaultTextStyle>
@@ -248,6 +249,11 @@
       </a:defRPr>
     </a:lvl9pPr>
   </p:defaultTextStyle>
+  <p:extLst>
+    <p:ext uri="{EFAFB233-063F-42B5-8137-9DF3F51BA10A}">
+      <p15:sldGuideLst xmlns:p15="http://schemas.microsoft.com/office/powerpoint/2012/main"/>
+    </p:ext>
+  </p:extLst>
 </p:presentation>
 </file>
 
@@ -648,6 +654,112 @@
   <p:cSld>
     <p:spTree>
       <p:nvGrpSpPr>
+        <p:cNvPr id="1" name="Shape 316"/>
+        <p:cNvGrpSpPr/>
+        <p:nvPr/>
+      </p:nvGrpSpPr>
+      <p:grpSpPr>
+        <a:xfrm>
+          <a:off x="0" y="0"/>
+          <a:ext cx="0" cy="0"/>
+          <a:chOff x="0" y="0"/>
+          <a:chExt cx="0" cy="0"/>
+        </a:xfrm>
+      </p:grpSpPr>
+      <p:sp>
+        <p:nvSpPr>
+          <p:cNvPr id="317" name="Shape 317"/>
+          <p:cNvSpPr txBox="1">
+            <a:spLocks noGrp="1"/>
+          </p:cNvSpPr>
+          <p:nvPr>
+            <p:ph type="body" idx="1"/>
+          </p:nvPr>
+        </p:nvSpPr>
+        <p:spPr>
+          <a:xfrm>
+            <a:off x="685800" y="4343400"/>
+            <a:ext cx="5486399" cy="4114800"/>
+          </a:xfrm>
+          <a:prstGeom prst="rect">
+            <a:avLst/>
+          </a:prstGeom>
+        </p:spPr>
+        <p:txBody>
+          <a:bodyPr lIns="91425" tIns="91425" rIns="91425" bIns="91425" anchor="ctr" anchorCtr="0">
+            <a:noAutofit/>
+          </a:bodyPr>
+          <a:lstStyle/>
+          <a:p>
+            <a:pPr lvl="0">
+              <a:spcBef>
+                <a:spcPts val="0"/>
+              </a:spcBef>
+              <a:buNone/>
+            </a:pPr>
+            <a:endParaRPr/>
+          </a:p>
+        </p:txBody>
+      </p:sp>
+      <p:sp>
+        <p:nvSpPr>
+          <p:cNvPr id="318" name="Shape 318"/>
+          <p:cNvSpPr>
+            <a:spLocks noGrp="1" noRot="1" noChangeAspect="1"/>
+          </p:cNvSpPr>
+          <p:nvPr>
+            <p:ph type="sldImg" idx="2"/>
+          </p:nvPr>
+        </p:nvSpPr>
+        <p:spPr>
+          <a:xfrm>
+            <a:off x="381000" y="685800"/>
+            <a:ext cx="6096000" cy="3429000"/>
+          </a:xfrm>
+          <a:custGeom>
+            <a:avLst/>
+            <a:gdLst/>
+            <a:ahLst/>
+            <a:cxnLst/>
+            <a:rect l="0" t="0" r="0" b="0"/>
+            <a:pathLst>
+              <a:path w="120000" h="120000" extrusionOk="0">
+                <a:moveTo>
+                  <a:pt x="0" y="0"/>
+                </a:moveTo>
+                <a:lnTo>
+                  <a:pt x="120000" y="0"/>
+                </a:lnTo>
+                <a:lnTo>
+                  <a:pt x="120000" y="120000"/>
+                </a:lnTo>
+                <a:lnTo>
+                  <a:pt x="0" y="120000"/>
+                </a:lnTo>
+                <a:close/>
+              </a:path>
+            </a:pathLst>
+          </a:custGeom>
+        </p:spPr>
+      </p:sp>
+    </p:spTree>
+    <p:extLst>
+      <p:ext uri="{BB962C8B-B14F-4D97-AF65-F5344CB8AC3E}">
+        <p14:creationId xmlns:p14="http://schemas.microsoft.com/office/powerpoint/2010/main" val="3854517747"/>
+      </p:ext>
+    </p:extLst>
+  </p:cSld>
+  <p:clrMapOvr>
+    <a:masterClrMapping/>
+  </p:clrMapOvr>
+</p:notes>
+</file>
+
+<file path=ppt/notesSlides/notesSlide11.xml><?xml version="1.0" encoding="utf-8"?>
+<p:notes xmlns:a="http://schemas.openxmlformats.org/drawingml/2006/main" xmlns:r="http://schemas.openxmlformats.org/officeDocument/2006/relationships" xmlns:p="http://schemas.openxmlformats.org/presentationml/2006/main" showMasterSp="0" showMasterPhAnim="0">
+  <p:cSld>
+    <p:spTree>
+      <p:nvGrpSpPr>
         <p:cNvPr id="1" name="Shape 336"/>
         <p:cNvGrpSpPr/>
         <p:nvPr/>
@@ -707,8 +819,8 @@
         </p:nvSpPr>
         <p:spPr>
           <a:xfrm>
-            <a:off x="1143000" y="685800"/>
-            <a:ext cx="4572000" cy="3429000"/>
+            <a:off x="381000" y="685800"/>
+            <a:ext cx="6096000" cy="3429000"/>
           </a:xfrm>
           <a:custGeom>
             <a:avLst/>
@@ -749,7 +861,7 @@
 </p:notes>
 </file>
 
-<file path=ppt/notesSlides/notesSlide11.xml><?xml version="1.0" encoding="utf-8"?>
+<file path=ppt/notesSlides/notesSlide12.xml><?xml version="1.0" encoding="utf-8"?>
 <p:notes xmlns:a="http://schemas.openxmlformats.org/drawingml/2006/main" xmlns:r="http://schemas.openxmlformats.org/officeDocument/2006/relationships" xmlns:p="http://schemas.openxmlformats.org/presentationml/2006/main" showMasterSp="0" showMasterPhAnim="0">
   <p:cSld>
     <p:spTree>
@@ -813,8 +925,8 @@
         </p:nvSpPr>
         <p:spPr>
           <a:xfrm>
-            <a:off x="1143000" y="685800"/>
-            <a:ext cx="4572000" cy="3429000"/>
+            <a:off x="381000" y="685800"/>
+            <a:ext cx="6096000" cy="3429000"/>
           </a:xfrm>
           <a:custGeom>
             <a:avLst/>
@@ -855,7 +967,7 @@
 </p:notes>
 </file>
 
-<file path=ppt/notesSlides/notesSlide12.xml><?xml version="1.0" encoding="utf-8"?>
+<file path=ppt/notesSlides/notesSlide13.xml><?xml version="1.0" encoding="utf-8"?>
 <p:notes xmlns:a="http://schemas.openxmlformats.org/drawingml/2006/main" xmlns:r="http://schemas.openxmlformats.org/officeDocument/2006/relationships" xmlns:p="http://schemas.openxmlformats.org/presentationml/2006/main" showMasterSp="0" showMasterPhAnim="0">
   <p:cSld>
     <p:spTree>
@@ -919,8 +1031,8 @@
         </p:nvSpPr>
         <p:spPr>
           <a:xfrm>
-            <a:off x="1143000" y="685800"/>
-            <a:ext cx="4572000" cy="3429000"/>
+            <a:off x="381000" y="685800"/>
+            <a:ext cx="6096000" cy="3429000"/>
           </a:xfrm>
           <a:custGeom>
             <a:avLst/>
@@ -961,7 +1073,7 @@
 </p:notes>
 </file>
 
-<file path=ppt/notesSlides/notesSlide13.xml><?xml version="1.0" encoding="utf-8"?>
+<file path=ppt/notesSlides/notesSlide14.xml><?xml version="1.0" encoding="utf-8"?>
 <p:notes xmlns:a="http://schemas.openxmlformats.org/drawingml/2006/main" xmlns:r="http://schemas.openxmlformats.org/officeDocument/2006/relationships" xmlns:p="http://schemas.openxmlformats.org/presentationml/2006/main" showMasterSp="0" showMasterPhAnim="0">
   <p:cSld>
     <p:spTree>
@@ -1025,8 +1137,8 @@
         </p:nvSpPr>
         <p:spPr>
           <a:xfrm>
-            <a:off x="1143000" y="685800"/>
-            <a:ext cx="4572000" cy="3429000"/>
+            <a:off x="381000" y="685800"/>
+            <a:ext cx="6096000" cy="3429000"/>
           </a:xfrm>
           <a:custGeom>
             <a:avLst/>
@@ -1067,7 +1179,7 @@
 </p:notes>
 </file>
 
-<file path=ppt/notesSlides/notesSlide14.xml><?xml version="1.0" encoding="utf-8"?>
+<file path=ppt/notesSlides/notesSlide15.xml><?xml version="1.0" encoding="utf-8"?>
 <p:notes xmlns:a="http://schemas.openxmlformats.org/drawingml/2006/main" xmlns:r="http://schemas.openxmlformats.org/officeDocument/2006/relationships" xmlns:p="http://schemas.openxmlformats.org/presentationml/2006/main" showMasterSp="0" showMasterPhAnim="0">
   <p:cSld>
     <p:spTree>
@@ -1131,8 +1243,8 @@
         </p:nvSpPr>
         <p:spPr>
           <a:xfrm>
-            <a:off x="1143000" y="685800"/>
-            <a:ext cx="4572000" cy="3429000"/>
+            <a:off x="381000" y="685800"/>
+            <a:ext cx="6096000" cy="3429000"/>
           </a:xfrm>
           <a:custGeom>
             <a:avLst/>
@@ -1173,7 +1285,7 @@
 </p:notes>
 </file>
 
-<file path=ppt/notesSlides/notesSlide15.xml><?xml version="1.0" encoding="utf-8"?>
+<file path=ppt/notesSlides/notesSlide16.xml><?xml version="1.0" encoding="utf-8"?>
 <p:notes xmlns:a="http://schemas.openxmlformats.org/drawingml/2006/main" xmlns:r="http://schemas.openxmlformats.org/officeDocument/2006/relationships" xmlns:p="http://schemas.openxmlformats.org/presentationml/2006/main" showMasterSp="0" showMasterPhAnim="0">
   <p:cSld>
     <p:spTree>
@@ -1237,8 +1349,8 @@
         </p:nvSpPr>
         <p:spPr>
           <a:xfrm>
-            <a:off x="1143000" y="685800"/>
-            <a:ext cx="4572000" cy="3429000"/>
+            <a:off x="381000" y="685800"/>
+            <a:ext cx="6096000" cy="3429000"/>
           </a:xfrm>
           <a:custGeom>
             <a:avLst/>
@@ -1279,7 +1391,7 @@
 </p:notes>
 </file>
 
-<file path=ppt/notesSlides/notesSlide16.xml><?xml version="1.0" encoding="utf-8"?>
+<file path=ppt/notesSlides/notesSlide17.xml><?xml version="1.0" encoding="utf-8"?>
 <p:notes xmlns:a="http://schemas.openxmlformats.org/drawingml/2006/main" xmlns:r="http://schemas.openxmlformats.org/officeDocument/2006/relationships" xmlns:p="http://schemas.openxmlformats.org/presentationml/2006/main" showMasterSp="0" showMasterPhAnim="0">
   <p:cSld>
     <p:spTree>
@@ -1343,8 +1455,8 @@
         </p:nvSpPr>
         <p:spPr>
           <a:xfrm>
-            <a:off x="1143000" y="685800"/>
-            <a:ext cx="4572000" cy="3429000"/>
+            <a:off x="381000" y="685800"/>
+            <a:ext cx="6096000" cy="3429000"/>
           </a:xfrm>
           <a:custGeom>
             <a:avLst/>
@@ -1385,7 +1497,7 @@
 </p:notes>
 </file>
 
-<file path=ppt/notesSlides/notesSlide17.xml><?xml version="1.0" encoding="utf-8"?>
+<file path=ppt/notesSlides/notesSlide18.xml><?xml version="1.0" encoding="utf-8"?>
 <p:notes xmlns:a="http://schemas.openxmlformats.org/drawingml/2006/main" xmlns:r="http://schemas.openxmlformats.org/officeDocument/2006/relationships" xmlns:p="http://schemas.openxmlformats.org/presentationml/2006/main" showMasterSp="0" showMasterPhAnim="0">
   <p:cSld>
     <p:spTree>
@@ -1449,8 +1561,8 @@
         </p:nvSpPr>
         <p:spPr>
           <a:xfrm>
-            <a:off x="1143000" y="685800"/>
-            <a:ext cx="4572000" cy="3429000"/>
+            <a:off x="381000" y="685800"/>
+            <a:ext cx="6096000" cy="3429000"/>
           </a:xfrm>
           <a:custGeom>
             <a:avLst/>
@@ -1491,7 +1603,7 @@
 </p:notes>
 </file>
 
-<file path=ppt/notesSlides/notesSlide18.xml><?xml version="1.0" encoding="utf-8"?>
+<file path=ppt/notesSlides/notesSlide19.xml><?xml version="1.0" encoding="utf-8"?>
 <p:notes xmlns:a="http://schemas.openxmlformats.org/drawingml/2006/main" xmlns:r="http://schemas.openxmlformats.org/officeDocument/2006/relationships" xmlns:p="http://schemas.openxmlformats.org/presentationml/2006/main" showMasterSp="0" showMasterPhAnim="0">
   <p:cSld>
     <p:spTree>
@@ -1555,8 +1667,8 @@
         </p:nvSpPr>
         <p:spPr>
           <a:xfrm>
-            <a:off x="1143000" y="685800"/>
-            <a:ext cx="4572000" cy="3429000"/>
+            <a:off x="381000" y="685800"/>
+            <a:ext cx="6096000" cy="3429000"/>
           </a:xfrm>
           <a:custGeom>
             <a:avLst/>
@@ -1602,6 +1714,112 @@
   <p:cSld>
     <p:spTree>
       <p:nvGrpSpPr>
+        <p:cNvPr id="1" name="Shape 446"/>
+        <p:cNvGrpSpPr/>
+        <p:nvPr/>
+      </p:nvGrpSpPr>
+      <p:grpSpPr>
+        <a:xfrm>
+          <a:off x="0" y="0"/>
+          <a:ext cx="0" cy="0"/>
+          <a:chOff x="0" y="0"/>
+          <a:chExt cx="0" cy="0"/>
+        </a:xfrm>
+      </p:grpSpPr>
+      <p:sp>
+        <p:nvSpPr>
+          <p:cNvPr id="447" name="Shape 447"/>
+          <p:cNvSpPr txBox="1">
+            <a:spLocks noGrp="1"/>
+          </p:cNvSpPr>
+          <p:nvPr>
+            <p:ph type="body" idx="1"/>
+          </p:nvPr>
+        </p:nvSpPr>
+        <p:spPr>
+          <a:xfrm>
+            <a:off x="685800" y="4343400"/>
+            <a:ext cx="5486399" cy="4114800"/>
+          </a:xfrm>
+          <a:prstGeom prst="rect">
+            <a:avLst/>
+          </a:prstGeom>
+        </p:spPr>
+        <p:txBody>
+          <a:bodyPr lIns="91425" tIns="91425" rIns="91425" bIns="91425" anchor="ctr" anchorCtr="0">
+            <a:noAutofit/>
+          </a:bodyPr>
+          <a:lstStyle/>
+          <a:p>
+            <a:pPr lvl="0">
+              <a:spcBef>
+                <a:spcPts val="0"/>
+              </a:spcBef>
+              <a:buNone/>
+            </a:pPr>
+            <a:endParaRPr/>
+          </a:p>
+        </p:txBody>
+      </p:sp>
+      <p:sp>
+        <p:nvSpPr>
+          <p:cNvPr id="448" name="Shape 448"/>
+          <p:cNvSpPr>
+            <a:spLocks noGrp="1" noRot="1" noChangeAspect="1"/>
+          </p:cNvSpPr>
+          <p:nvPr>
+            <p:ph type="sldImg" idx="2"/>
+          </p:nvPr>
+        </p:nvSpPr>
+        <p:spPr>
+          <a:xfrm>
+            <a:off x="381000" y="685800"/>
+            <a:ext cx="6096000" cy="3429000"/>
+          </a:xfrm>
+          <a:custGeom>
+            <a:avLst/>
+            <a:gdLst/>
+            <a:ahLst/>
+            <a:cxnLst/>
+            <a:rect l="0" t="0" r="0" b="0"/>
+            <a:pathLst>
+              <a:path w="120000" h="120000" extrusionOk="0">
+                <a:moveTo>
+                  <a:pt x="0" y="0"/>
+                </a:moveTo>
+                <a:lnTo>
+                  <a:pt x="120000" y="0"/>
+                </a:lnTo>
+                <a:lnTo>
+                  <a:pt x="120000" y="120000"/>
+                </a:lnTo>
+                <a:lnTo>
+                  <a:pt x="0" y="120000"/>
+                </a:lnTo>
+                <a:close/>
+              </a:path>
+            </a:pathLst>
+          </a:custGeom>
+        </p:spPr>
+      </p:sp>
+    </p:spTree>
+    <p:extLst>
+      <p:ext uri="{BB962C8B-B14F-4D97-AF65-F5344CB8AC3E}">
+        <p14:creationId xmlns:p14="http://schemas.microsoft.com/office/powerpoint/2010/main" val="3364904615"/>
+      </p:ext>
+    </p:extLst>
+  </p:cSld>
+  <p:clrMapOvr>
+    <a:masterClrMapping/>
+  </p:clrMapOvr>
+</p:notes>
+</file>
+
+<file path=ppt/notesSlides/notesSlide3.xml><?xml version="1.0" encoding="utf-8"?>
+<p:notes xmlns:a="http://schemas.openxmlformats.org/drawingml/2006/main" xmlns:r="http://schemas.openxmlformats.org/officeDocument/2006/relationships" xmlns:p="http://schemas.openxmlformats.org/presentationml/2006/main" showMasterSp="0" showMasterPhAnim="0">
+  <p:cSld>
+    <p:spTree>
+      <p:nvGrpSpPr>
         <p:cNvPr id="1" name="Shape 246"/>
         <p:cNvGrpSpPr/>
         <p:nvPr/>
@@ -1661,8 +1879,8 @@
         </p:nvSpPr>
         <p:spPr>
           <a:xfrm>
-            <a:off x="1143000" y="685800"/>
-            <a:ext cx="4572000" cy="3429000"/>
+            <a:off x="381000" y="685800"/>
+            <a:ext cx="6096000" cy="3429000"/>
           </a:xfrm>
           <a:custGeom>
             <a:avLst/>
@@ -1703,7 +1921,7 @@
 </p:notes>
 </file>
 
-<file path=ppt/notesSlides/notesSlide3.xml><?xml version="1.0" encoding="utf-8"?>
+<file path=ppt/notesSlides/notesSlide4.xml><?xml version="1.0" encoding="utf-8"?>
 <p:notes xmlns:a="http://schemas.openxmlformats.org/drawingml/2006/main" xmlns:r="http://schemas.openxmlformats.org/officeDocument/2006/relationships" xmlns:p="http://schemas.openxmlformats.org/presentationml/2006/main" showMasterSp="0" showMasterPhAnim="0">
   <p:cSld>
     <p:spTree>
@@ -1767,8 +1985,8 @@
         </p:nvSpPr>
         <p:spPr>
           <a:xfrm>
-            <a:off x="1143000" y="685800"/>
-            <a:ext cx="4572000" cy="3429000"/>
+            <a:off x="381000" y="685800"/>
+            <a:ext cx="6096000" cy="3429000"/>
           </a:xfrm>
           <a:custGeom>
             <a:avLst/>
@@ -1809,7 +2027,7 @@
 </p:notes>
 </file>
 
-<file path=ppt/notesSlides/notesSlide4.xml><?xml version="1.0" encoding="utf-8"?>
+<file path=ppt/notesSlides/notesSlide5.xml><?xml version="1.0" encoding="utf-8"?>
 <p:notes xmlns:a="http://schemas.openxmlformats.org/drawingml/2006/main" xmlns:r="http://schemas.openxmlformats.org/officeDocument/2006/relationships" xmlns:p="http://schemas.openxmlformats.org/presentationml/2006/main" showMasterSp="0" showMasterPhAnim="0">
   <p:cSld>
     <p:spTree>
@@ -1873,8 +2091,8 @@
         </p:nvSpPr>
         <p:spPr>
           <a:xfrm>
-            <a:off x="1143000" y="685800"/>
-            <a:ext cx="4572000" cy="3429000"/>
+            <a:off x="381000" y="685800"/>
+            <a:ext cx="6096000" cy="3429000"/>
           </a:xfrm>
           <a:custGeom>
             <a:avLst/>
@@ -1915,7 +2133,7 @@
 </p:notes>
 </file>
 
-<file path=ppt/notesSlides/notesSlide5.xml><?xml version="1.0" encoding="utf-8"?>
+<file path=ppt/notesSlides/notesSlide6.xml><?xml version="1.0" encoding="utf-8"?>
 <p:notes xmlns:a="http://schemas.openxmlformats.org/drawingml/2006/main" xmlns:r="http://schemas.openxmlformats.org/officeDocument/2006/relationships" xmlns:p="http://schemas.openxmlformats.org/presentationml/2006/main" showMasterSp="0" showMasterPhAnim="0">
   <p:cSld>
     <p:spTree>
@@ -1979,8 +2197,8 @@
         </p:nvSpPr>
         <p:spPr>
           <a:xfrm>
-            <a:off x="1143000" y="685800"/>
-            <a:ext cx="4572000" cy="3429000"/>
+            <a:off x="381000" y="685800"/>
+            <a:ext cx="6096000" cy="3429000"/>
           </a:xfrm>
           <a:custGeom>
             <a:avLst/>
@@ -2021,7 +2239,7 @@
 </p:notes>
 </file>
 
-<file path=ppt/notesSlides/notesSlide6.xml><?xml version="1.0" encoding="utf-8"?>
+<file path=ppt/notesSlides/notesSlide7.xml><?xml version="1.0" encoding="utf-8"?>
 <p:notes xmlns:a="http://schemas.openxmlformats.org/drawingml/2006/main" xmlns:r="http://schemas.openxmlformats.org/officeDocument/2006/relationships" xmlns:p="http://schemas.openxmlformats.org/presentationml/2006/main" showMasterSp="0" showMasterPhAnim="0">
   <p:cSld>
     <p:spTree>
@@ -2153,7 +2371,7 @@
 </p:notes>
 </file>
 
-<file path=ppt/notesSlides/notesSlide7.xml><?xml version="1.0" encoding="utf-8"?>
+<file path=ppt/notesSlides/notesSlide8.xml><?xml version="1.0" encoding="utf-8"?>
 <p:notes xmlns:a="http://schemas.openxmlformats.org/drawingml/2006/main" xmlns:r="http://schemas.openxmlformats.org/officeDocument/2006/relationships" xmlns:p="http://schemas.openxmlformats.org/presentationml/2006/main" showMasterSp="0" showMasterPhAnim="0">
   <p:cSld>
     <p:spTree>
@@ -2217,8 +2435,8 @@
         </p:nvSpPr>
         <p:spPr>
           <a:xfrm>
-            <a:off x="1143000" y="685800"/>
-            <a:ext cx="4572000" cy="3429000"/>
+            <a:off x="381000" y="685800"/>
+            <a:ext cx="6096000" cy="3429000"/>
           </a:xfrm>
           <a:custGeom>
             <a:avLst/>
@@ -2259,7 +2477,7 @@
 </p:notes>
 </file>
 
-<file path=ppt/notesSlides/notesSlide8.xml><?xml version="1.0" encoding="utf-8"?>
+<file path=ppt/notesSlides/notesSlide9.xml><?xml version="1.0" encoding="utf-8"?>
 <p:notes xmlns:a="http://schemas.openxmlformats.org/drawingml/2006/main" xmlns:r="http://schemas.openxmlformats.org/officeDocument/2006/relationships" xmlns:p="http://schemas.openxmlformats.org/presentationml/2006/main" showMasterSp="0" showMasterPhAnim="0">
   <p:cSld>
     <p:spTree>
@@ -2323,8 +2541,8 @@
         </p:nvSpPr>
         <p:spPr>
           <a:xfrm>
-            <a:off x="1143000" y="685800"/>
-            <a:ext cx="4572000" cy="3429000"/>
+            <a:off x="381000" y="685800"/>
+            <a:ext cx="6096000" cy="3429000"/>
           </a:xfrm>
           <a:custGeom>
             <a:avLst/>
@@ -2356,112 +2574,6 @@
     <p:extLst>
       <p:ext uri="{BB962C8B-B14F-4D97-AF65-F5344CB8AC3E}">
         <p14:creationId xmlns:p14="http://schemas.microsoft.com/office/powerpoint/2010/main" val="846485222"/>
-      </p:ext>
-    </p:extLst>
-  </p:cSld>
-  <p:clrMapOvr>
-    <a:masterClrMapping/>
-  </p:clrMapOvr>
-</p:notes>
-</file>
-
-<file path=ppt/notesSlides/notesSlide9.xml><?xml version="1.0" encoding="utf-8"?>
-<p:notes xmlns:a="http://schemas.openxmlformats.org/drawingml/2006/main" xmlns:r="http://schemas.openxmlformats.org/officeDocument/2006/relationships" xmlns:p="http://schemas.openxmlformats.org/presentationml/2006/main" showMasterSp="0" showMasterPhAnim="0">
-  <p:cSld>
-    <p:spTree>
-      <p:nvGrpSpPr>
-        <p:cNvPr id="1" name="Shape 316"/>
-        <p:cNvGrpSpPr/>
-        <p:nvPr/>
-      </p:nvGrpSpPr>
-      <p:grpSpPr>
-        <a:xfrm>
-          <a:off x="0" y="0"/>
-          <a:ext cx="0" cy="0"/>
-          <a:chOff x="0" y="0"/>
-          <a:chExt cx="0" cy="0"/>
-        </a:xfrm>
-      </p:grpSpPr>
-      <p:sp>
-        <p:nvSpPr>
-          <p:cNvPr id="317" name="Shape 317"/>
-          <p:cNvSpPr txBox="1">
-            <a:spLocks noGrp="1"/>
-          </p:cNvSpPr>
-          <p:nvPr>
-            <p:ph type="body" idx="1"/>
-          </p:nvPr>
-        </p:nvSpPr>
-        <p:spPr>
-          <a:xfrm>
-            <a:off x="685800" y="4343400"/>
-            <a:ext cx="5486399" cy="4114800"/>
-          </a:xfrm>
-          <a:prstGeom prst="rect">
-            <a:avLst/>
-          </a:prstGeom>
-        </p:spPr>
-        <p:txBody>
-          <a:bodyPr lIns="91425" tIns="91425" rIns="91425" bIns="91425" anchor="ctr" anchorCtr="0">
-            <a:noAutofit/>
-          </a:bodyPr>
-          <a:lstStyle/>
-          <a:p>
-            <a:pPr lvl="0">
-              <a:spcBef>
-                <a:spcPts val="0"/>
-              </a:spcBef>
-              <a:buNone/>
-            </a:pPr>
-            <a:endParaRPr/>
-          </a:p>
-        </p:txBody>
-      </p:sp>
-      <p:sp>
-        <p:nvSpPr>
-          <p:cNvPr id="318" name="Shape 318"/>
-          <p:cNvSpPr>
-            <a:spLocks noGrp="1" noRot="1" noChangeAspect="1"/>
-          </p:cNvSpPr>
-          <p:nvPr>
-            <p:ph type="sldImg" idx="2"/>
-          </p:nvPr>
-        </p:nvSpPr>
-        <p:spPr>
-          <a:xfrm>
-            <a:off x="1143000" y="685800"/>
-            <a:ext cx="4572000" cy="3429000"/>
-          </a:xfrm>
-          <a:custGeom>
-            <a:avLst/>
-            <a:gdLst/>
-            <a:ahLst/>
-            <a:cxnLst/>
-            <a:rect l="0" t="0" r="0" b="0"/>
-            <a:pathLst>
-              <a:path w="120000" h="120000" extrusionOk="0">
-                <a:moveTo>
-                  <a:pt x="0" y="0"/>
-                </a:moveTo>
-                <a:lnTo>
-                  <a:pt x="120000" y="0"/>
-                </a:lnTo>
-                <a:lnTo>
-                  <a:pt x="120000" y="120000"/>
-                </a:lnTo>
-                <a:lnTo>
-                  <a:pt x="0" y="120000"/>
-                </a:lnTo>
-                <a:close/>
-              </a:path>
-            </a:pathLst>
-          </a:custGeom>
-        </p:spPr>
-      </p:sp>
-    </p:spTree>
-    <p:extLst>
-      <p:ext uri="{BB962C8B-B14F-4D97-AF65-F5344CB8AC3E}">
-        <p14:creationId xmlns:p14="http://schemas.microsoft.com/office/powerpoint/2010/main" val="3854517747"/>
       </p:ext>
     </p:extLst>
   </p:cSld>
@@ -16899,6 +17011,951 @@
   <p:cSld>
     <p:spTree>
       <p:nvGrpSpPr>
+        <p:cNvPr id="1" name="Shape 319"/>
+        <p:cNvGrpSpPr/>
+        <p:nvPr/>
+      </p:nvGrpSpPr>
+      <p:grpSpPr>
+        <a:xfrm>
+          <a:off x="0" y="0"/>
+          <a:ext cx="0" cy="0"/>
+          <a:chOff x="0" y="0"/>
+          <a:chExt cx="0" cy="0"/>
+        </a:xfrm>
+      </p:grpSpPr>
+      <p:sp>
+        <p:nvSpPr>
+          <p:cNvPr id="320" name="Shape 320"/>
+          <p:cNvSpPr txBox="1"/>
+          <p:nvPr/>
+        </p:nvSpPr>
+        <p:spPr>
+          <a:xfrm>
+            <a:off x="6362700" y="3632200"/>
+            <a:ext cx="8843961" cy="914400"/>
+          </a:xfrm>
+          <a:prstGeom prst="rect">
+            <a:avLst/>
+          </a:prstGeom>
+          <a:noFill/>
+          <a:ln>
+            <a:noFill/>
+          </a:ln>
+        </p:spPr>
+        <p:txBody>
+          <a:bodyPr lIns="0" tIns="0" rIns="0" bIns="0" anchor="ctr" anchorCtr="0">
+            <a:noAutofit/>
+          </a:bodyPr>
+          <a:lstStyle/>
+          <a:p>
+            <a:pPr marL="0" marR="0" lvl="0" indent="0" algn="l" rtl="0">
+              <a:lnSpc>
+                <a:spcPct val="100000"/>
+              </a:lnSpc>
+              <a:spcBef>
+                <a:spcPts val="0"/>
+              </a:spcBef>
+              <a:spcAft>
+                <a:spcPts val="0"/>
+              </a:spcAft>
+              <a:buClr>
+                <a:srgbClr val="FF00FF"/>
+              </a:buClr>
+              <a:buSzPct val="25000"/>
+              <a:buFont typeface="Cabin"/>
+              <a:buNone/>
+            </a:pPr>
+            <a:r>
+              <a:rPr lang="en-US" sz="5600" b="0" i="0" u="none" strike="noStrike" cap="none">
+                <a:solidFill>
+                  <a:srgbClr val="00FF00"/>
+                </a:solidFill>
+                <a:latin typeface="Cabin"/>
+                <a:ea typeface="Cabin"/>
+                <a:cs typeface="Cabin"/>
+                <a:sym typeface="Cabin"/>
+              </a:rPr>
+              <a:t>x</a:t>
+            </a:r>
+            <a:r>
+              <a:rPr lang="en-US" sz="5600" b="0" i="0" u="none" strike="noStrike" cap="none">
+                <a:solidFill>
+                  <a:srgbClr val="FF00FF"/>
+                </a:solidFill>
+                <a:latin typeface="Cabin"/>
+                <a:ea typeface="Cabin"/>
+                <a:cs typeface="Cabin"/>
+                <a:sym typeface="Cabin"/>
+              </a:rPr>
+              <a:t> </a:t>
+            </a:r>
+            <a:r>
+              <a:rPr lang="en-US" sz="5600" b="0" i="0" u="none" strike="noStrike" cap="none">
+                <a:solidFill>
+                  <a:srgbClr val="FFFFFF"/>
+                </a:solidFill>
+                <a:latin typeface="Cabin"/>
+                <a:ea typeface="Cabin"/>
+                <a:cs typeface="Cabin"/>
+                <a:sym typeface="Cabin"/>
+              </a:rPr>
+              <a:t>=</a:t>
+            </a:r>
+            <a:r>
+              <a:rPr lang="en-US" sz="5600" b="0" i="0" u="none" strike="noStrike" cap="none">
+                <a:solidFill>
+                  <a:schemeClr val="lt1"/>
+                </a:solidFill>
+                <a:latin typeface="Cabin"/>
+                <a:ea typeface="Cabin"/>
+                <a:cs typeface="Cabin"/>
+                <a:sym typeface="Cabin"/>
+              </a:rPr>
+              <a:t> </a:t>
+            </a:r>
+            <a:r>
+              <a:rPr lang="en-US" sz="5600" b="0" i="0" u="none" strike="noStrike" cap="none">
+                <a:solidFill>
+                  <a:srgbClr val="FFFF00"/>
+                </a:solidFill>
+                <a:latin typeface="Cabin"/>
+                <a:ea typeface="Cabin"/>
+                <a:cs typeface="Cabin"/>
+                <a:sym typeface="Cabin"/>
+              </a:rPr>
+              <a:t>3.9   *   x   *   (  1   -   x  )</a:t>
+            </a:r>
+          </a:p>
+        </p:txBody>
+      </p:sp>
+      <p:sp>
+        <p:nvSpPr>
+          <p:cNvPr id="321" name="Shape 321"/>
+          <p:cNvSpPr txBox="1"/>
+          <p:nvPr/>
+        </p:nvSpPr>
+        <p:spPr>
+          <a:xfrm>
+            <a:off x="10668000" y="850900"/>
+            <a:ext cx="5016500" cy="1270000"/>
+          </a:xfrm>
+          <a:prstGeom prst="rect">
+            <a:avLst/>
+          </a:prstGeom>
+          <a:noFill/>
+          <a:ln w="76200" cap="flat" cmpd="sng">
+            <a:solidFill>
+              <a:srgbClr val="00FFFF"/>
+            </a:solidFill>
+            <a:prstDash val="solid"/>
+            <a:round/>
+            <a:headEnd type="none" w="med" len="med"/>
+            <a:tailEnd type="none" w="med" len="med"/>
+          </a:ln>
+        </p:spPr>
+        <p:txBody>
+          <a:bodyPr lIns="0" tIns="0" rIns="0" bIns="0" anchor="ctr" anchorCtr="0">
+            <a:noAutofit/>
+          </a:bodyPr>
+          <a:lstStyle/>
+          <a:p>
+            <a:pPr marL="0" marR="0" lvl="0" indent="0" algn="l" rtl="0">
+              <a:lnSpc>
+                <a:spcPct val="100000"/>
+              </a:lnSpc>
+              <a:spcBef>
+                <a:spcPts val="0"/>
+              </a:spcBef>
+              <a:spcAft>
+                <a:spcPts val="0"/>
+              </a:spcAft>
+              <a:buClr>
+                <a:schemeClr val="lt1"/>
+              </a:buClr>
+              <a:buSzPct val="25000"/>
+              <a:buFont typeface="Cabin"/>
+              <a:buNone/>
+            </a:pPr>
+            <a:r>
+              <a:rPr lang="en-US" sz="4900">
+                <a:solidFill>
+                  <a:schemeClr val="lt1"/>
+                </a:solidFill>
+                <a:latin typeface="Cabin"/>
+                <a:ea typeface="Cabin"/>
+                <a:cs typeface="Cabin"/>
+                <a:sym typeface="Cabin"/>
+              </a:rPr>
+              <a:t> </a:t>
+            </a:r>
+            <a:r>
+              <a:rPr lang="en-US" sz="4900" b="0" i="0" u="none" strike="noStrike" cap="none">
+                <a:solidFill>
+                  <a:schemeClr val="lt1"/>
+                </a:solidFill>
+                <a:latin typeface="Cabin"/>
+                <a:ea typeface="Cabin"/>
+                <a:cs typeface="Cabin"/>
+                <a:sym typeface="Cabin"/>
+              </a:rPr>
+              <a:t>0.6</a:t>
+            </a:r>
+          </a:p>
+        </p:txBody>
+      </p:sp>
+      <p:sp>
+        <p:nvSpPr>
+          <p:cNvPr id="322" name="Shape 322"/>
+          <p:cNvSpPr txBox="1"/>
+          <p:nvPr/>
+        </p:nvSpPr>
+        <p:spPr>
+          <a:xfrm>
+            <a:off x="9813925" y="1047750"/>
+            <a:ext cx="444500" cy="863599"/>
+          </a:xfrm>
+          <a:prstGeom prst="rect">
+            <a:avLst/>
+          </a:prstGeom>
+          <a:noFill/>
+          <a:ln>
+            <a:noFill/>
+          </a:ln>
+        </p:spPr>
+        <p:txBody>
+          <a:bodyPr lIns="0" tIns="0" rIns="0" bIns="0" anchor="ctr" anchorCtr="0">
+            <a:noAutofit/>
+          </a:bodyPr>
+          <a:lstStyle/>
+          <a:p>
+            <a:pPr marL="0" marR="0" lvl="0" indent="0" algn="ctr" rtl="0">
+              <a:lnSpc>
+                <a:spcPct val="100000"/>
+              </a:lnSpc>
+              <a:spcBef>
+                <a:spcPts val="0"/>
+              </a:spcBef>
+              <a:spcAft>
+                <a:spcPts val="0"/>
+              </a:spcAft>
+              <a:buClr>
+                <a:srgbClr val="00FF00"/>
+              </a:buClr>
+              <a:buSzPct val="25000"/>
+              <a:buFont typeface="Cabin"/>
+              <a:buNone/>
+            </a:pPr>
+            <a:r>
+              <a:rPr lang="en-US" sz="5200" b="0" i="0" u="none" strike="noStrike" cap="none">
+                <a:solidFill>
+                  <a:srgbClr val="00FF00"/>
+                </a:solidFill>
+                <a:latin typeface="Cabin"/>
+                <a:ea typeface="Cabin"/>
+                <a:cs typeface="Cabin"/>
+                <a:sym typeface="Cabin"/>
+              </a:rPr>
+              <a:t>x</a:t>
+            </a:r>
+          </a:p>
+        </p:txBody>
+      </p:sp>
+      <p:sp>
+        <p:nvSpPr>
+          <p:cNvPr id="323" name="Shape 323"/>
+          <p:cNvSpPr txBox="1"/>
+          <p:nvPr/>
+        </p:nvSpPr>
+        <p:spPr>
+          <a:xfrm>
+            <a:off x="581025" y="6477000"/>
+            <a:ext cx="7068300" cy="1663800"/>
+          </a:xfrm>
+          <a:prstGeom prst="rect">
+            <a:avLst/>
+          </a:prstGeom>
+          <a:noFill/>
+          <a:ln>
+            <a:noFill/>
+          </a:ln>
+        </p:spPr>
+        <p:txBody>
+          <a:bodyPr lIns="0" tIns="0" rIns="0" bIns="0" anchor="ctr" anchorCtr="0">
+            <a:noAutofit/>
+          </a:bodyPr>
+          <a:lstStyle/>
+          <a:p>
+            <a:pPr marL="0" marR="0" lvl="0" indent="0" rtl="0">
+              <a:lnSpc>
+                <a:spcPct val="100000"/>
+              </a:lnSpc>
+              <a:spcBef>
+                <a:spcPts val="0"/>
+              </a:spcBef>
+              <a:spcAft>
+                <a:spcPts val="0"/>
+              </a:spcAft>
+              <a:buClr>
+                <a:srgbClr val="FFFF00"/>
+              </a:buClr>
+              <a:buSzPct val="25000"/>
+              <a:buFont typeface="Cabin"/>
+              <a:buNone/>
+            </a:pPr>
+            <a:r>
+              <a:rPr lang="en-US" sz="3600">
+                <a:solidFill>
+                  <a:srgbClr val="FFFF00"/>
+                </a:solidFill>
+                <a:latin typeface="Cabin"/>
+                <a:ea typeface="Cabin"/>
+                <a:cs typeface="Cabin"/>
+                <a:sym typeface="Cabin"/>
+              </a:rPr>
+              <a:t>The r</a:t>
+            </a:r>
+            <a:r>
+              <a:rPr lang="en-US" sz="3600" b="0" i="0" u="none" strike="noStrike" cap="none">
+                <a:solidFill>
+                  <a:srgbClr val="FFFF00"/>
+                </a:solidFill>
+                <a:latin typeface="Cabin"/>
+                <a:ea typeface="Cabin"/>
+                <a:cs typeface="Cabin"/>
+                <a:sym typeface="Cabin"/>
+              </a:rPr>
+              <a:t>ight side is an expression. </a:t>
+            </a:r>
+            <a:br>
+              <a:rPr lang="en-US" sz="3600" b="0" i="0" u="none" strike="noStrike" cap="none">
+                <a:solidFill>
+                  <a:srgbClr val="FFFF00"/>
+                </a:solidFill>
+                <a:latin typeface="Cabin"/>
+                <a:ea typeface="Cabin"/>
+                <a:cs typeface="Cabin"/>
+                <a:sym typeface="Cabin"/>
+              </a:rPr>
+            </a:br>
+            <a:r>
+              <a:rPr lang="en-US" sz="3600" b="0" i="0" u="none" strike="noStrike" cap="none">
+                <a:solidFill>
+                  <a:srgbClr val="FF9900"/>
+                </a:solidFill>
+                <a:latin typeface="Cabin"/>
+                <a:ea typeface="Cabin"/>
+                <a:cs typeface="Cabin"/>
+                <a:sym typeface="Cabin"/>
+              </a:rPr>
+              <a:t>Once</a:t>
+            </a:r>
+            <a:r>
+              <a:rPr lang="en-US" sz="3600">
+                <a:solidFill>
+                  <a:srgbClr val="FF9900"/>
+                </a:solidFill>
+                <a:latin typeface="Cabin"/>
+                <a:ea typeface="Cabin"/>
+                <a:cs typeface="Cabin"/>
+                <a:sym typeface="Cabin"/>
+              </a:rPr>
+              <a:t> </a:t>
+            </a:r>
+            <a:r>
+              <a:rPr lang="en-US" sz="3600" b="0" i="0" u="none" strike="noStrike" cap="none">
+                <a:solidFill>
+                  <a:srgbClr val="FF9900"/>
+                </a:solidFill>
+                <a:latin typeface="Cabin"/>
+                <a:ea typeface="Cabin"/>
+                <a:cs typeface="Cabin"/>
+                <a:sym typeface="Cabin"/>
+              </a:rPr>
+              <a:t>the expression is evaluated,</a:t>
+            </a:r>
+            <a:r>
+              <a:rPr lang="en-US" sz="3600" b="0" i="0" u="none" strike="noStrike" cap="none">
+                <a:solidFill>
+                  <a:schemeClr val="lt1"/>
+                </a:solidFill>
+                <a:latin typeface="Cabin"/>
+                <a:ea typeface="Cabin"/>
+                <a:cs typeface="Cabin"/>
+                <a:sym typeface="Cabin"/>
+              </a:rPr>
+              <a:t> </a:t>
+            </a:r>
+            <a:r>
+              <a:rPr lang="en-US" sz="3600" b="0" i="0" u="none" strike="noStrike" cap="none">
+                <a:solidFill>
+                  <a:srgbClr val="00FF00"/>
+                </a:solidFill>
+                <a:latin typeface="Cabin"/>
+                <a:ea typeface="Cabin"/>
+                <a:cs typeface="Cabin"/>
+                <a:sym typeface="Cabin"/>
+              </a:rPr>
+              <a:t>the result is placed in (assigned to) x.</a:t>
+            </a:r>
+          </a:p>
+        </p:txBody>
+      </p:sp>
+      <p:sp>
+        <p:nvSpPr>
+          <p:cNvPr id="324" name="Shape 324"/>
+          <p:cNvSpPr txBox="1"/>
+          <p:nvPr/>
+        </p:nvSpPr>
+        <p:spPr>
+          <a:xfrm>
+            <a:off x="9699625" y="2844800"/>
+            <a:ext cx="900000" cy="622199"/>
+          </a:xfrm>
+          <a:prstGeom prst="rect">
+            <a:avLst/>
+          </a:prstGeom>
+          <a:noFill/>
+          <a:ln>
+            <a:noFill/>
+          </a:ln>
+        </p:spPr>
+        <p:txBody>
+          <a:bodyPr lIns="0" tIns="0" rIns="0" bIns="0" anchor="ctr" anchorCtr="0">
+            <a:noAutofit/>
+          </a:bodyPr>
+          <a:lstStyle/>
+          <a:p>
+            <a:pPr marL="0" marR="0" lvl="0" indent="0" algn="ctr" rtl="0">
+              <a:lnSpc>
+                <a:spcPct val="100000"/>
+              </a:lnSpc>
+              <a:spcBef>
+                <a:spcPts val="0"/>
+              </a:spcBef>
+              <a:spcAft>
+                <a:spcPts val="0"/>
+              </a:spcAft>
+              <a:buClr>
+                <a:schemeClr val="lt1"/>
+              </a:buClr>
+              <a:buSzPct val="25000"/>
+              <a:buFont typeface="Cabin"/>
+              <a:buNone/>
+            </a:pPr>
+            <a:r>
+              <a:rPr lang="en-US" sz="3600" b="0" i="0" u="none" strike="noStrike" cap="none">
+                <a:solidFill>
+                  <a:schemeClr val="lt1"/>
+                </a:solidFill>
+                <a:latin typeface="Cabin"/>
+                <a:ea typeface="Cabin"/>
+                <a:cs typeface="Cabin"/>
+                <a:sym typeface="Cabin"/>
+              </a:rPr>
+              <a:t>0.6</a:t>
+            </a:r>
+          </a:p>
+        </p:txBody>
+      </p:sp>
+      <p:sp>
+        <p:nvSpPr>
+          <p:cNvPr id="325" name="Shape 325"/>
+          <p:cNvSpPr txBox="1"/>
+          <p:nvPr/>
+        </p:nvSpPr>
+        <p:spPr>
+          <a:xfrm>
+            <a:off x="12713125" y="3039312"/>
+            <a:ext cx="1063200" cy="622199"/>
+          </a:xfrm>
+          <a:prstGeom prst="rect">
+            <a:avLst/>
+          </a:prstGeom>
+          <a:noFill/>
+          <a:ln>
+            <a:noFill/>
+          </a:ln>
+        </p:spPr>
+        <p:txBody>
+          <a:bodyPr lIns="0" tIns="0" rIns="0" bIns="0" anchor="ctr" anchorCtr="0">
+            <a:noAutofit/>
+          </a:bodyPr>
+          <a:lstStyle/>
+          <a:p>
+            <a:pPr marL="0" marR="0" lvl="0" indent="0" algn="ctr" rtl="0">
+              <a:lnSpc>
+                <a:spcPct val="100000"/>
+              </a:lnSpc>
+              <a:spcBef>
+                <a:spcPts val="0"/>
+              </a:spcBef>
+              <a:spcAft>
+                <a:spcPts val="0"/>
+              </a:spcAft>
+              <a:buClr>
+                <a:schemeClr val="lt1"/>
+              </a:buClr>
+              <a:buSzPct val="25000"/>
+              <a:buFont typeface="Cabin"/>
+              <a:buNone/>
+            </a:pPr>
+            <a:r>
+              <a:rPr lang="en-US" sz="3600" b="0" i="0" u="none" strike="noStrike" cap="none">
+                <a:solidFill>
+                  <a:schemeClr val="lt1"/>
+                </a:solidFill>
+                <a:latin typeface="Cabin"/>
+                <a:ea typeface="Cabin"/>
+                <a:cs typeface="Cabin"/>
+                <a:sym typeface="Cabin"/>
+              </a:rPr>
+              <a:t>0.6</a:t>
+            </a:r>
+          </a:p>
+        </p:txBody>
+      </p:sp>
+      <p:cxnSp>
+        <p:nvCxnSpPr>
+          <p:cNvPr id="326" name="Shape 326"/>
+          <p:cNvCxnSpPr/>
+          <p:nvPr/>
+        </p:nvCxnSpPr>
+        <p:spPr>
+          <a:xfrm rot="10800000" flipH="1">
+            <a:off x="10323511" y="1925637"/>
+            <a:ext cx="606425" cy="849312"/>
+          </a:xfrm>
+          <a:prstGeom prst="straightConnector1">
+            <a:avLst/>
+          </a:prstGeom>
+          <a:noFill/>
+          <a:ln w="63500" cap="rnd" cmpd="sng">
+            <a:solidFill>
+              <a:schemeClr val="lt1"/>
+            </a:solidFill>
+            <a:prstDash val="solid"/>
+            <a:miter/>
+            <a:headEnd type="stealth" w="med" len="med"/>
+            <a:tailEnd type="none" w="med" len="med"/>
+          </a:ln>
+        </p:spPr>
+      </p:cxnSp>
+      <p:cxnSp>
+        <p:nvCxnSpPr>
+          <p:cNvPr id="327" name="Shape 327"/>
+          <p:cNvCxnSpPr>
+            <a:stCxn id="325" idx="0"/>
+          </p:cNvCxnSpPr>
+          <p:nvPr/>
+        </p:nvCxnSpPr>
+        <p:spPr>
+          <a:xfrm rot="10800000">
+            <a:off x="11207725" y="1976412"/>
+            <a:ext cx="2037000" cy="1062900"/>
+          </a:xfrm>
+          <a:prstGeom prst="straightConnector1">
+            <a:avLst/>
+          </a:prstGeom>
+          <a:noFill/>
+          <a:ln w="63500" cap="rnd" cmpd="sng">
+            <a:solidFill>
+              <a:schemeClr val="lt1"/>
+            </a:solidFill>
+            <a:prstDash val="solid"/>
+            <a:miter/>
+            <a:headEnd type="stealth" w="med" len="med"/>
+            <a:tailEnd type="none" w="med" len="med"/>
+          </a:ln>
+        </p:spPr>
+      </p:cxnSp>
+      <p:sp>
+        <p:nvSpPr>
+          <p:cNvPr id="328" name="Shape 328"/>
+          <p:cNvSpPr txBox="1"/>
+          <p:nvPr/>
+        </p:nvSpPr>
+        <p:spPr>
+          <a:xfrm>
+            <a:off x="12150725" y="5054600"/>
+            <a:ext cx="1063200" cy="622199"/>
+          </a:xfrm>
+          <a:prstGeom prst="rect">
+            <a:avLst/>
+          </a:prstGeom>
+          <a:noFill/>
+          <a:ln>
+            <a:noFill/>
+          </a:ln>
+        </p:spPr>
+        <p:txBody>
+          <a:bodyPr lIns="0" tIns="0" rIns="0" bIns="0" anchor="ctr" anchorCtr="0">
+            <a:noAutofit/>
+          </a:bodyPr>
+          <a:lstStyle/>
+          <a:p>
+            <a:pPr marL="0" marR="0" lvl="0" indent="0" algn="ctr" rtl="0">
+              <a:lnSpc>
+                <a:spcPct val="100000"/>
+              </a:lnSpc>
+              <a:spcBef>
+                <a:spcPts val="0"/>
+              </a:spcBef>
+              <a:spcAft>
+                <a:spcPts val="0"/>
+              </a:spcAft>
+              <a:buClr>
+                <a:srgbClr val="FF7F00"/>
+              </a:buClr>
+              <a:buSzPct val="25000"/>
+              <a:buFont typeface="Cabin"/>
+              <a:buNone/>
+            </a:pPr>
+            <a:r>
+              <a:rPr lang="en-US" sz="3600" b="0" i="0" u="none" strike="noStrike" cap="none">
+                <a:solidFill>
+                  <a:srgbClr val="FF9900"/>
+                </a:solidFill>
+                <a:latin typeface="Cabin"/>
+                <a:ea typeface="Cabin"/>
+                <a:cs typeface="Cabin"/>
+                <a:sym typeface="Cabin"/>
+              </a:rPr>
+              <a:t>0</a:t>
+            </a:r>
+            <a:r>
+              <a:rPr lang="en-US" sz="3600" b="1" i="0" u="none" strike="noStrike" cap="none">
+                <a:solidFill>
+                  <a:srgbClr val="FF9900"/>
+                </a:solidFill>
+                <a:latin typeface="Cabin"/>
+                <a:ea typeface="Cabin"/>
+                <a:cs typeface="Cabin"/>
+                <a:sym typeface="Cabin"/>
+              </a:rPr>
+              <a:t>.</a:t>
+            </a:r>
+            <a:r>
+              <a:rPr lang="en-US" sz="3600" b="0" i="0" u="none" strike="noStrike" cap="none">
+                <a:solidFill>
+                  <a:srgbClr val="FF9900"/>
+                </a:solidFill>
+                <a:latin typeface="Cabin"/>
+                <a:ea typeface="Cabin"/>
+                <a:cs typeface="Cabin"/>
+                <a:sym typeface="Cabin"/>
+              </a:rPr>
+              <a:t>4</a:t>
+            </a:r>
+          </a:p>
+        </p:txBody>
+      </p:sp>
+      <p:cxnSp>
+        <p:nvCxnSpPr>
+          <p:cNvPr id="329" name="Shape 329"/>
+          <p:cNvCxnSpPr/>
+          <p:nvPr/>
+        </p:nvCxnSpPr>
+        <p:spPr>
+          <a:xfrm rot="10800000">
+            <a:off x="8085136" y="4718049"/>
+            <a:ext cx="2393950" cy="1857375"/>
+          </a:xfrm>
+          <a:prstGeom prst="straightConnector1">
+            <a:avLst/>
+          </a:prstGeom>
+          <a:noFill/>
+          <a:ln w="63500" cap="rnd" cmpd="sng">
+            <a:solidFill>
+              <a:srgbClr val="FF9900"/>
+            </a:solidFill>
+            <a:prstDash val="solid"/>
+            <a:miter/>
+            <a:headEnd type="stealth" w="med" len="med"/>
+            <a:tailEnd type="none" w="med" len="med"/>
+          </a:ln>
+        </p:spPr>
+      </p:cxnSp>
+      <p:cxnSp>
+        <p:nvCxnSpPr>
+          <p:cNvPr id="330" name="Shape 330"/>
+          <p:cNvCxnSpPr/>
+          <p:nvPr/>
+        </p:nvCxnSpPr>
+        <p:spPr>
+          <a:xfrm rot="10800000">
+            <a:off x="10115550" y="4579937"/>
+            <a:ext cx="796924" cy="1873249"/>
+          </a:xfrm>
+          <a:prstGeom prst="straightConnector1">
+            <a:avLst/>
+          </a:prstGeom>
+          <a:noFill/>
+          <a:ln w="63500" cap="rnd" cmpd="sng">
+            <a:solidFill>
+              <a:srgbClr val="FF9900"/>
+            </a:solidFill>
+            <a:prstDash val="solid"/>
+            <a:miter/>
+            <a:headEnd type="stealth" w="med" len="med"/>
+            <a:tailEnd type="none" w="med" len="med"/>
+          </a:ln>
+        </p:spPr>
+      </p:cxnSp>
+      <p:cxnSp>
+        <p:nvCxnSpPr>
+          <p:cNvPr id="331" name="Shape 331"/>
+          <p:cNvCxnSpPr>
+            <a:endCxn id="328" idx="2"/>
+          </p:cNvCxnSpPr>
+          <p:nvPr/>
+        </p:nvCxnSpPr>
+        <p:spPr>
+          <a:xfrm rot="10800000" flipH="1">
+            <a:off x="11555525" y="5676799"/>
+            <a:ext cx="1126800" cy="811200"/>
+          </a:xfrm>
+          <a:prstGeom prst="straightConnector1">
+            <a:avLst/>
+          </a:prstGeom>
+          <a:noFill/>
+          <a:ln w="63500" cap="rnd" cmpd="sng">
+            <a:solidFill>
+              <a:srgbClr val="FF9900"/>
+            </a:solidFill>
+            <a:prstDash val="solid"/>
+            <a:miter/>
+            <a:headEnd type="stealth" w="med" len="med"/>
+            <a:tailEnd type="none" w="med" len="med"/>
+          </a:ln>
+        </p:spPr>
+      </p:cxnSp>
+      <p:sp>
+        <p:nvSpPr>
+          <p:cNvPr id="332" name="Shape 332"/>
+          <p:cNvSpPr txBox="1"/>
+          <p:nvPr/>
+        </p:nvSpPr>
+        <p:spPr>
+          <a:xfrm>
+            <a:off x="10115550" y="6575425"/>
+            <a:ext cx="1732800" cy="622199"/>
+          </a:xfrm>
+          <a:prstGeom prst="rect">
+            <a:avLst/>
+          </a:prstGeom>
+          <a:noFill/>
+          <a:ln>
+            <a:noFill/>
+          </a:ln>
+        </p:spPr>
+        <p:txBody>
+          <a:bodyPr lIns="0" tIns="0" rIns="0" bIns="0" anchor="ctr" anchorCtr="0">
+            <a:noAutofit/>
+          </a:bodyPr>
+          <a:lstStyle/>
+          <a:p>
+            <a:pPr marL="0" marR="0" lvl="0" indent="0" algn="ctr" rtl="0">
+              <a:lnSpc>
+                <a:spcPct val="100000"/>
+              </a:lnSpc>
+              <a:spcBef>
+                <a:spcPts val="0"/>
+              </a:spcBef>
+              <a:spcAft>
+                <a:spcPts val="0"/>
+              </a:spcAft>
+              <a:buClr>
+                <a:srgbClr val="FF7F00"/>
+              </a:buClr>
+              <a:buSzPct val="25000"/>
+              <a:buFont typeface="Cabin"/>
+              <a:buNone/>
+            </a:pPr>
+            <a:r>
+              <a:rPr lang="en-US" sz="3600" b="0" i="0" u="none" strike="noStrike" cap="none">
+                <a:solidFill>
+                  <a:srgbClr val="FF9900"/>
+                </a:solidFill>
+                <a:latin typeface="Cabin"/>
+                <a:ea typeface="Cabin"/>
+                <a:cs typeface="Cabin"/>
+                <a:sym typeface="Cabin"/>
+              </a:rPr>
+              <a:t>0</a:t>
+            </a:r>
+            <a:r>
+              <a:rPr lang="en-US" sz="3600" b="1" i="0" u="none" strike="noStrike" cap="none">
+                <a:solidFill>
+                  <a:srgbClr val="FF9900"/>
+                </a:solidFill>
+                <a:latin typeface="Cabin"/>
+                <a:ea typeface="Cabin"/>
+                <a:cs typeface="Cabin"/>
+                <a:sym typeface="Cabin"/>
+              </a:rPr>
+              <a:t>.</a:t>
+            </a:r>
+            <a:r>
+              <a:rPr lang="en-US" sz="3600" b="0" i="0" u="none" strike="noStrike" cap="none">
+                <a:solidFill>
+                  <a:srgbClr val="FF9900"/>
+                </a:solidFill>
+                <a:latin typeface="Cabin"/>
+                <a:ea typeface="Cabin"/>
+                <a:cs typeface="Cabin"/>
+                <a:sym typeface="Cabin"/>
+              </a:rPr>
+              <a:t>936</a:t>
+            </a:r>
+          </a:p>
+        </p:txBody>
+      </p:sp>
+      <p:cxnSp>
+        <p:nvCxnSpPr>
+          <p:cNvPr id="333" name="Shape 333"/>
+          <p:cNvCxnSpPr/>
+          <p:nvPr/>
+        </p:nvCxnSpPr>
+        <p:spPr>
+          <a:xfrm rot="10800000" flipH="1">
+            <a:off x="13166725" y="4580012"/>
+            <a:ext cx="485699" cy="485699"/>
+          </a:xfrm>
+          <a:prstGeom prst="straightConnector1">
+            <a:avLst/>
+          </a:prstGeom>
+          <a:noFill/>
+          <a:ln w="63500" cap="rnd" cmpd="sng">
+            <a:solidFill>
+              <a:srgbClr val="FF9900"/>
+            </a:solidFill>
+            <a:prstDash val="solid"/>
+            <a:miter/>
+            <a:headEnd type="stealth" w="med" len="med"/>
+            <a:tailEnd type="none" w="med" len="med"/>
+          </a:ln>
+        </p:spPr>
+      </p:cxnSp>
+      <p:cxnSp>
+        <p:nvCxnSpPr>
+          <p:cNvPr id="334" name="Shape 334"/>
+          <p:cNvCxnSpPr/>
+          <p:nvPr/>
+        </p:nvCxnSpPr>
+        <p:spPr>
+          <a:xfrm rot="10800000">
+            <a:off x="11902974" y="4457799"/>
+            <a:ext cx="520800" cy="660300"/>
+          </a:xfrm>
+          <a:prstGeom prst="straightConnector1">
+            <a:avLst/>
+          </a:prstGeom>
+          <a:noFill/>
+          <a:ln w="63500" cap="rnd" cmpd="sng">
+            <a:solidFill>
+              <a:srgbClr val="FF9900"/>
+            </a:solidFill>
+            <a:prstDash val="solid"/>
+            <a:miter/>
+            <a:headEnd type="stealth" w="med" len="med"/>
+            <a:tailEnd type="none" w="med" len="med"/>
+          </a:ln>
+        </p:spPr>
+      </p:cxnSp>
+      <p:sp>
+        <p:nvSpPr>
+          <p:cNvPr id="335" name="Shape 335"/>
+          <p:cNvSpPr txBox="1"/>
+          <p:nvPr/>
+        </p:nvSpPr>
+        <p:spPr>
+          <a:xfrm>
+            <a:off x="581025" y="1085850"/>
+            <a:ext cx="6578599" cy="1143000"/>
+          </a:xfrm>
+          <a:prstGeom prst="rect">
+            <a:avLst/>
+          </a:prstGeom>
+          <a:noFill/>
+          <a:ln>
+            <a:noFill/>
+          </a:ln>
+        </p:spPr>
+        <p:txBody>
+          <a:bodyPr lIns="0" tIns="0" rIns="0" bIns="0" anchor="ctr" anchorCtr="0">
+            <a:noAutofit/>
+          </a:bodyPr>
+          <a:lstStyle/>
+          <a:p>
+            <a:pPr marL="0" marR="0" lvl="0" indent="0" rtl="0">
+              <a:lnSpc>
+                <a:spcPct val="100000"/>
+              </a:lnSpc>
+              <a:spcBef>
+                <a:spcPts val="0"/>
+              </a:spcBef>
+              <a:spcAft>
+                <a:spcPts val="0"/>
+              </a:spcAft>
+              <a:buClr>
+                <a:srgbClr val="00FF00"/>
+              </a:buClr>
+              <a:buSzPct val="25000"/>
+              <a:buFont typeface="Cabin"/>
+              <a:buNone/>
+            </a:pPr>
+            <a:r>
+              <a:rPr lang="en-US" sz="3600" b="0" i="0" u="none" strike="noStrike" cap="none">
+                <a:solidFill>
+                  <a:srgbClr val="00FF00"/>
+                </a:solidFill>
+                <a:latin typeface="Cabin"/>
+                <a:ea typeface="Cabin"/>
+                <a:cs typeface="Cabin"/>
+                <a:sym typeface="Cabin"/>
+              </a:rPr>
+              <a:t>A variable is a memory location used to store a value (</a:t>
+            </a:r>
+            <a:r>
+              <a:rPr lang="en-US" sz="3600" b="0" i="0" u="none" strike="noStrike" cap="none">
+                <a:solidFill>
+                  <a:srgbClr val="FFFFFF"/>
+                </a:solidFill>
+                <a:latin typeface="Cabin"/>
+                <a:ea typeface="Cabin"/>
+                <a:cs typeface="Cabin"/>
+                <a:sym typeface="Cabin"/>
+              </a:rPr>
+              <a:t>0.6</a:t>
+            </a:r>
+            <a:r>
+              <a:rPr lang="en-US" sz="3600" b="0" i="0" u="none" strike="noStrike" cap="none">
+                <a:solidFill>
+                  <a:srgbClr val="00FF00"/>
+                </a:solidFill>
+                <a:latin typeface="Cabin"/>
+                <a:ea typeface="Cabin"/>
+                <a:cs typeface="Cabin"/>
+                <a:sym typeface="Cabin"/>
+              </a:rPr>
+              <a:t>)</a:t>
+            </a:r>
+          </a:p>
+        </p:txBody>
+      </p:sp>
+    </p:spTree>
+  </p:cSld>
+  <p:clrMapOvr>
+    <a:masterClrMapping/>
+  </p:clrMapOvr>
+</p:sld>
+</file>
+
+<file path=ppt/slides/slide11.xml><?xml version="1.0" encoding="utf-8"?>
+<p:sld xmlns:a="http://schemas.openxmlformats.org/drawingml/2006/main" xmlns:r="http://schemas.openxmlformats.org/officeDocument/2006/relationships" xmlns:p="http://schemas.openxmlformats.org/presentationml/2006/main">
+  <p:cSld>
+    <p:spTree>
+      <p:nvGrpSpPr>
         <p:cNvPr id="1" name="Shape 339"/>
         <p:cNvGrpSpPr/>
         <p:nvPr/>
@@ -17563,7 +18620,7 @@
 </p:sld>
 </file>
 
-<file path=ppt/slides/slide11.xml><?xml version="1.0" encoding="utf-8"?>
+<file path=ppt/slides/slide12.xml><?xml version="1.0" encoding="utf-8"?>
 <p:sld xmlns:a="http://schemas.openxmlformats.org/drawingml/2006/main" xmlns:r="http://schemas.openxmlformats.org/officeDocument/2006/relationships" xmlns:p="http://schemas.openxmlformats.org/presentationml/2006/main">
   <p:cSld>
     <p:spTree>
@@ -17820,7 +18877,7 @@
         </p:nvGraphicFramePr>
         <p:xfrm>
           <a:off x="10337800" y="2670175"/>
-          <a:ext cx="3000000" cy="3000000"/>
+          <a:ext cx="5025250" cy="5567275"/>
         </p:xfrm>
         <a:graphic>
           <a:graphicData uri="http://schemas.openxmlformats.org/drawingml/2006/table">
@@ -18919,7 +19976,7 @@
 </p:sld>
 </file>
 
-<file path=ppt/slides/slide12.xml><?xml version="1.0" encoding="utf-8"?>
+<file path=ppt/slides/slide13.xml><?xml version="1.0" encoding="utf-8"?>
 <p:sld xmlns:a="http://schemas.openxmlformats.org/drawingml/2006/main" xmlns:r="http://schemas.openxmlformats.org/officeDocument/2006/relationships" xmlns:p="http://schemas.openxmlformats.org/presentationml/2006/main">
   <p:cSld>
     <p:spTree>
@@ -19960,7 +21017,7 @@
         </p:nvGraphicFramePr>
         <p:xfrm>
           <a:off x="11783875" y="2965450"/>
-          <a:ext cx="3000000" cy="3000000"/>
+          <a:ext cx="3752000" cy="4556125"/>
         </p:xfrm>
         <a:graphic>
           <a:graphicData uri="http://schemas.openxmlformats.org/drawingml/2006/table">
@@ -21483,7 +22540,7 @@
 </p:sld>
 </file>
 
-<file path=ppt/slides/slide13.xml><?xml version="1.0" encoding="utf-8"?>
+<file path=ppt/slides/slide14.xml><?xml version="1.0" encoding="utf-8"?>
 <p:sld xmlns:a="http://schemas.openxmlformats.org/drawingml/2006/main" xmlns:r="http://schemas.openxmlformats.org/officeDocument/2006/relationships" xmlns:p="http://schemas.openxmlformats.org/presentationml/2006/main">
   <p:cSld>
     <p:spTree>
@@ -21965,7 +23022,7 @@
 </p:sld>
 </file>
 
-<file path=ppt/slides/slide14.xml><?xml version="1.0" encoding="utf-8"?>
+<file path=ppt/slides/slide15.xml><?xml version="1.0" encoding="utf-8"?>
 <p:sld xmlns:a="http://schemas.openxmlformats.org/drawingml/2006/main" xmlns:r="http://schemas.openxmlformats.org/officeDocument/2006/relationships" xmlns:p="http://schemas.openxmlformats.org/presentationml/2006/main">
   <p:cSld>
     <p:spTree>
@@ -22479,7 +23536,7 @@
 </p:sld>
 </file>
 
-<file path=ppt/slides/slide15.xml><?xml version="1.0" encoding="utf-8"?>
+<file path=ppt/slides/slide16.xml><?xml version="1.0" encoding="utf-8"?>
 <p:sld xmlns:a="http://schemas.openxmlformats.org/drawingml/2006/main" xmlns:r="http://schemas.openxmlformats.org/officeDocument/2006/relationships" xmlns:p="http://schemas.openxmlformats.org/presentationml/2006/main">
   <p:cSld>
     <p:spTree>
@@ -23355,7 +24412,7 @@
 </p:sld>
 </file>
 
-<file path=ppt/slides/slide16.xml><?xml version="1.0" encoding="utf-8"?>
+<file path=ppt/slides/slide17.xml><?xml version="1.0" encoding="utf-8"?>
 <p:sld xmlns:a="http://schemas.openxmlformats.org/drawingml/2006/main" xmlns:r="http://schemas.openxmlformats.org/officeDocument/2006/relationships" xmlns:p="http://schemas.openxmlformats.org/presentationml/2006/main">
   <p:cSld>
     <p:spTree>
@@ -23874,7 +24931,7 @@
 </p:sld>
 </file>
 
-<file path=ppt/slides/slide17.xml><?xml version="1.0" encoding="utf-8"?>
+<file path=ppt/slides/slide18.xml><?xml version="1.0" encoding="utf-8"?>
 <p:sld xmlns:a="http://schemas.openxmlformats.org/drawingml/2006/main" xmlns:r="http://schemas.openxmlformats.org/officeDocument/2006/relationships" xmlns:p="http://schemas.openxmlformats.org/presentationml/2006/main">
   <p:cSld>
     <p:spTree>
@@ -24685,7 +25742,7 @@
 </p:sld>
 </file>
 
-<file path=ppt/slides/slide18.xml><?xml version="1.0" encoding="utf-8"?>
+<file path=ppt/slides/slide19.xml><?xml version="1.0" encoding="utf-8"?>
 <p:sld xmlns:a="http://schemas.openxmlformats.org/drawingml/2006/main" xmlns:r="http://schemas.openxmlformats.org/officeDocument/2006/relationships" xmlns:p="http://schemas.openxmlformats.org/presentationml/2006/main">
   <p:cSld>
     <p:spTree>
@@ -25437,6 +26494,855 @@
   <p:cSld>
     <p:spTree>
       <p:nvGrpSpPr>
+        <p:cNvPr id="1" name="Shape 449"/>
+        <p:cNvGrpSpPr/>
+        <p:nvPr/>
+      </p:nvGrpSpPr>
+      <p:grpSpPr>
+        <a:xfrm>
+          <a:off x="0" y="0"/>
+          <a:ext cx="0" cy="0"/>
+          <a:chOff x="0" y="0"/>
+          <a:chExt cx="0" cy="0"/>
+        </a:xfrm>
+      </p:grpSpPr>
+      <p:sp>
+        <p:nvSpPr>
+          <p:cNvPr id="450" name="Shape 450"/>
+          <p:cNvSpPr txBox="1">
+            <a:spLocks noGrp="1"/>
+          </p:cNvSpPr>
+          <p:nvPr>
+            <p:ph type="title"/>
+          </p:nvPr>
+        </p:nvSpPr>
+        <p:spPr>
+          <a:xfrm>
+            <a:off x="1155700" y="241300"/>
+            <a:ext cx="13931900" cy="2298699"/>
+          </a:xfrm>
+          <a:prstGeom prst="rect">
+            <a:avLst/>
+          </a:prstGeom>
+          <a:noFill/>
+          <a:ln>
+            <a:noFill/>
+          </a:ln>
+        </p:spPr>
+        <p:txBody>
+          <a:bodyPr lIns="38100" tIns="38100" rIns="38100" bIns="38100" anchor="ctr" anchorCtr="0">
+            <a:noAutofit/>
+          </a:bodyPr>
+          <a:lstStyle/>
+          <a:p>
+            <a:pPr marL="0" marR="0" lvl="0" indent="0" algn="ctr" rtl="0">
+              <a:lnSpc>
+                <a:spcPct val="100000"/>
+              </a:lnSpc>
+              <a:spcBef>
+                <a:spcPts val="0"/>
+              </a:spcBef>
+              <a:spcAft>
+                <a:spcPts val="0"/>
+              </a:spcAft>
+              <a:buClr>
+                <a:schemeClr val="lt1"/>
+              </a:buClr>
+              <a:buSzPct val="25000"/>
+              <a:buFont typeface="Cabin"/>
+              <a:buNone/>
+            </a:pPr>
+            <a:r>
+              <a:rPr lang="en-US" sz="7600" b="0" i="0" u="none" strike="noStrike" cap="none">
+                <a:solidFill>
+                  <a:srgbClr val="FFFF00"/>
+                </a:solidFill>
+                <a:latin typeface="Cabin"/>
+                <a:ea typeface="Cabin"/>
+                <a:cs typeface="Cabin"/>
+                <a:sym typeface="Cabin"/>
+              </a:rPr>
+              <a:t>Several Types of Numbers</a:t>
+            </a:r>
+          </a:p>
+        </p:txBody>
+      </p:sp>
+      <p:sp>
+        <p:nvSpPr>
+          <p:cNvPr id="451" name="Shape 451"/>
+          <p:cNvSpPr txBox="1">
+            <a:spLocks noGrp="1"/>
+          </p:cNvSpPr>
+          <p:nvPr>
+            <p:ph type="body" idx="1"/>
+          </p:nvPr>
+        </p:nvSpPr>
+        <p:spPr>
+          <a:xfrm>
+            <a:off x="1155700" y="2603500"/>
+            <a:ext cx="8407399" cy="5702299"/>
+          </a:xfrm>
+          <a:prstGeom prst="rect">
+            <a:avLst/>
+          </a:prstGeom>
+          <a:noFill/>
+          <a:ln>
+            <a:noFill/>
+          </a:ln>
+        </p:spPr>
+        <p:txBody>
+          <a:bodyPr lIns="38100" tIns="38100" rIns="38100" bIns="38100" anchor="ctr" anchorCtr="0">
+            <a:noAutofit/>
+          </a:bodyPr>
+          <a:lstStyle/>
+          <a:p>
+            <a:pPr marL="749300" marR="0" lvl="0" indent="-371094" algn="l" rtl="0">
+              <a:lnSpc>
+                <a:spcPct val="100000"/>
+              </a:lnSpc>
+              <a:spcBef>
+                <a:spcPts val="0"/>
+              </a:spcBef>
+              <a:spcAft>
+                <a:spcPts val="0"/>
+              </a:spcAft>
+              <a:buClr>
+                <a:schemeClr val="lt1"/>
+              </a:buClr>
+              <a:buSzPct val="100000"/>
+              <a:buFont typeface="Cabin"/>
+              <a:buChar char="•"/>
+            </a:pPr>
+            <a:r>
+              <a:rPr lang="en-US" sz="3600" b="0" i="0" u="none" strike="noStrike" cap="none">
+                <a:solidFill>
+                  <a:schemeClr val="lt1"/>
+                </a:solidFill>
+                <a:latin typeface="Cabin"/>
+                <a:ea typeface="Cabin"/>
+                <a:cs typeface="Cabin"/>
+                <a:sym typeface="Cabin"/>
+              </a:rPr>
+              <a:t>Numbers have two main types</a:t>
+            </a:r>
+          </a:p>
+          <a:p>
+            <a:pPr marL="1041400" marR="0" lvl="1" indent="-371094" algn="l" rtl="0">
+              <a:lnSpc>
+                <a:spcPct val="100000"/>
+              </a:lnSpc>
+              <a:spcBef>
+                <a:spcPts val="3500"/>
+              </a:spcBef>
+              <a:spcAft>
+                <a:spcPts val="0"/>
+              </a:spcAft>
+              <a:buClr>
+                <a:schemeClr val="lt1"/>
+              </a:buClr>
+              <a:buSzPct val="100000"/>
+              <a:buFont typeface="Cabin"/>
+            </a:pPr>
+            <a:r>
+              <a:rPr lang="en-US" sz="3600" b="0" i="0" u="none" strike="noStrike" cap="none">
+                <a:solidFill>
+                  <a:srgbClr val="FFFF00"/>
+                </a:solidFill>
+                <a:latin typeface="Cabin"/>
+                <a:ea typeface="Cabin"/>
+                <a:cs typeface="Cabin"/>
+                <a:sym typeface="Cabin"/>
+              </a:rPr>
+              <a:t>Integers</a:t>
+            </a:r>
+            <a:r>
+              <a:rPr lang="en-US" sz="3600" b="0" i="0" u="none" strike="noStrike" cap="none">
+                <a:solidFill>
+                  <a:schemeClr val="lt1"/>
+                </a:solidFill>
+                <a:latin typeface="Cabin"/>
+                <a:ea typeface="Cabin"/>
+                <a:cs typeface="Cabin"/>
+                <a:sym typeface="Cabin"/>
+              </a:rPr>
+              <a:t> are whole numbers: </a:t>
+            </a:r>
+            <a:br>
+              <a:rPr lang="en-US" sz="3600" b="0" i="0" u="none" strike="noStrike" cap="none">
+                <a:solidFill>
+                  <a:schemeClr val="lt1"/>
+                </a:solidFill>
+                <a:latin typeface="Cabin"/>
+                <a:ea typeface="Cabin"/>
+                <a:cs typeface="Cabin"/>
+                <a:sym typeface="Cabin"/>
+              </a:rPr>
+            </a:br>
+            <a:r>
+              <a:rPr lang="en-US" sz="3600" b="0" i="0" u="none" strike="noStrike" cap="none">
+                <a:solidFill>
+                  <a:schemeClr val="lt1"/>
+                </a:solidFill>
+                <a:latin typeface="Cabin"/>
+                <a:ea typeface="Cabin"/>
+                <a:cs typeface="Cabin"/>
+                <a:sym typeface="Cabin"/>
+              </a:rPr>
+              <a:t>-14, -2, 0, 1, 100, 401233</a:t>
+            </a:r>
+          </a:p>
+          <a:p>
+            <a:pPr marL="1041400" marR="0" lvl="1" indent="-371094" algn="l" rtl="0">
+              <a:lnSpc>
+                <a:spcPct val="100000"/>
+              </a:lnSpc>
+              <a:spcBef>
+                <a:spcPts val="3500"/>
+              </a:spcBef>
+              <a:spcAft>
+                <a:spcPts val="0"/>
+              </a:spcAft>
+              <a:buClr>
+                <a:schemeClr val="lt1"/>
+              </a:buClr>
+              <a:buSzPct val="100000"/>
+              <a:buFont typeface="Cabin"/>
+            </a:pPr>
+            <a:r>
+              <a:rPr lang="en-US" sz="3600" b="0" i="0" u="none" strike="noStrike" cap="none">
+                <a:solidFill>
+                  <a:srgbClr val="FFFF00"/>
+                </a:solidFill>
+                <a:latin typeface="Cabin"/>
+                <a:ea typeface="Cabin"/>
+                <a:cs typeface="Cabin"/>
+                <a:sym typeface="Cabin"/>
+              </a:rPr>
+              <a:t>Floating Point Numbers</a:t>
+            </a:r>
+            <a:r>
+              <a:rPr lang="en-US" sz="3600" b="0" i="0" u="none" strike="noStrike" cap="none">
+                <a:solidFill>
+                  <a:schemeClr val="lt1"/>
+                </a:solidFill>
+                <a:latin typeface="Cabin"/>
+                <a:ea typeface="Cabin"/>
+                <a:cs typeface="Cabin"/>
+                <a:sym typeface="Cabin"/>
+              </a:rPr>
+              <a:t> have decimal parts:  -2.5 , 0.0, 98.6, 14.0</a:t>
+            </a:r>
+          </a:p>
+          <a:p>
+            <a:pPr marL="749300" marR="0" lvl="0" indent="-371094" algn="l" rtl="0">
+              <a:lnSpc>
+                <a:spcPct val="100000"/>
+              </a:lnSpc>
+              <a:spcBef>
+                <a:spcPts val="3500"/>
+              </a:spcBef>
+              <a:spcAft>
+                <a:spcPts val="0"/>
+              </a:spcAft>
+              <a:buClr>
+                <a:schemeClr val="lt1"/>
+              </a:buClr>
+              <a:buSzPct val="100000"/>
+              <a:buFont typeface="Cabin"/>
+              <a:buChar char="•"/>
+            </a:pPr>
+            <a:r>
+              <a:rPr lang="en-US" sz="3600" b="0" i="0" u="none" strike="noStrike" cap="none">
+                <a:solidFill>
+                  <a:schemeClr val="lt1"/>
+                </a:solidFill>
+                <a:latin typeface="Cabin"/>
+                <a:ea typeface="Cabin"/>
+                <a:cs typeface="Cabin"/>
+                <a:sym typeface="Cabin"/>
+              </a:rPr>
+              <a:t>There are other number types - they are variations on float and integer</a:t>
+            </a:r>
+          </a:p>
+        </p:txBody>
+      </p:sp>
+      <p:sp>
+        <p:nvSpPr>
+          <p:cNvPr id="452" name="Shape 452"/>
+          <p:cNvSpPr txBox="1"/>
+          <p:nvPr/>
+        </p:nvSpPr>
+        <p:spPr>
+          <a:xfrm>
+            <a:off x="10902900" y="2533650"/>
+            <a:ext cx="5238599" cy="5829299"/>
+          </a:xfrm>
+          <a:prstGeom prst="rect">
+            <a:avLst/>
+          </a:prstGeom>
+          <a:noFill/>
+          <a:ln>
+            <a:noFill/>
+          </a:ln>
+        </p:spPr>
+        <p:txBody>
+          <a:bodyPr lIns="0" tIns="0" rIns="0" bIns="0" anchor="ctr" anchorCtr="0">
+            <a:noAutofit/>
+          </a:bodyPr>
+          <a:lstStyle/>
+          <a:p>
+            <a:pPr marL="0" marR="0" lvl="0" indent="0" algn="l" rtl="0">
+              <a:lnSpc>
+                <a:spcPct val="100000"/>
+              </a:lnSpc>
+              <a:spcBef>
+                <a:spcPts val="0"/>
+              </a:spcBef>
+              <a:spcAft>
+                <a:spcPts val="0"/>
+              </a:spcAft>
+              <a:buClr>
+                <a:schemeClr val="lt1"/>
+              </a:buClr>
+              <a:buSzPct val="25000"/>
+              <a:buFont typeface="Cabin"/>
+              <a:buNone/>
+            </a:pPr>
+            <a:r>
+              <a:rPr lang="en-US" sz="3400" b="0" i="0" u="none" strike="noStrike" cap="none">
+                <a:solidFill>
+                  <a:schemeClr val="lt1"/>
+                </a:solidFill>
+                <a:latin typeface="Courier New"/>
+                <a:ea typeface="Courier New"/>
+                <a:cs typeface="Courier New"/>
+                <a:sym typeface="Courier New"/>
+              </a:rPr>
+              <a:t>&gt;&gt;&gt; </a:t>
+            </a:r>
+            <a:r>
+              <a:rPr lang="en-US" sz="3400" b="0" i="0" u="none" strike="noStrike" cap="none">
+                <a:solidFill>
+                  <a:srgbClr val="00FF00"/>
+                </a:solidFill>
+                <a:latin typeface="Courier New"/>
+                <a:ea typeface="Courier New"/>
+                <a:cs typeface="Courier New"/>
+                <a:sym typeface="Courier New"/>
+              </a:rPr>
+              <a:t>xx</a:t>
+            </a:r>
+            <a:r>
+              <a:rPr lang="en-US" sz="3400" b="0" i="0" u="none" strike="noStrike" cap="none">
+                <a:solidFill>
+                  <a:schemeClr val="lt1"/>
+                </a:solidFill>
+                <a:latin typeface="Courier New"/>
+                <a:ea typeface="Courier New"/>
+                <a:cs typeface="Courier New"/>
+                <a:sym typeface="Courier New"/>
+              </a:rPr>
+              <a:t> = 1</a:t>
+            </a:r>
+          </a:p>
+          <a:p>
+            <a:pPr marL="0" marR="0" lvl="0" indent="0" algn="l" rtl="0">
+              <a:lnSpc>
+                <a:spcPct val="100000"/>
+              </a:lnSpc>
+              <a:spcBef>
+                <a:spcPts val="0"/>
+              </a:spcBef>
+              <a:spcAft>
+                <a:spcPts val="0"/>
+              </a:spcAft>
+              <a:buClr>
+                <a:schemeClr val="lt1"/>
+              </a:buClr>
+              <a:buSzPct val="25000"/>
+              <a:buFont typeface="Cabin"/>
+              <a:buNone/>
+            </a:pPr>
+            <a:r>
+              <a:rPr lang="en-US" sz="3400" b="0" i="0" u="none" strike="noStrike" cap="none">
+                <a:solidFill>
+                  <a:schemeClr val="lt1"/>
+                </a:solidFill>
+                <a:latin typeface="Courier New"/>
+                <a:ea typeface="Courier New"/>
+                <a:cs typeface="Courier New"/>
+                <a:sym typeface="Courier New"/>
+              </a:rPr>
+              <a:t>&gt;&gt;&gt; </a:t>
+            </a:r>
+            <a:r>
+              <a:rPr lang="en-US" sz="3400" b="0" i="0" u="none" strike="noStrike" cap="none">
+                <a:solidFill>
+                  <a:srgbClr val="FFFF00"/>
+                </a:solidFill>
+                <a:latin typeface="Courier New"/>
+                <a:ea typeface="Courier New"/>
+                <a:cs typeface="Courier New"/>
+                <a:sym typeface="Courier New"/>
+              </a:rPr>
+              <a:t>type</a:t>
+            </a:r>
+            <a:r>
+              <a:rPr lang="en-US" sz="3400" b="0" i="0" u="none" strike="noStrike" cap="none">
+                <a:solidFill>
+                  <a:schemeClr val="lt1"/>
+                </a:solidFill>
+                <a:latin typeface="Courier New"/>
+                <a:ea typeface="Courier New"/>
+                <a:cs typeface="Courier New"/>
+                <a:sym typeface="Courier New"/>
+              </a:rPr>
+              <a:t> (</a:t>
+            </a:r>
+            <a:r>
+              <a:rPr lang="en-US" sz="3400" b="0" i="0" u="none" strike="noStrike" cap="none">
+                <a:solidFill>
+                  <a:srgbClr val="00FF00"/>
+                </a:solidFill>
+                <a:latin typeface="Courier New"/>
+                <a:ea typeface="Courier New"/>
+                <a:cs typeface="Courier New"/>
+                <a:sym typeface="Courier New"/>
+              </a:rPr>
+              <a:t>xx</a:t>
+            </a:r>
+            <a:r>
+              <a:rPr lang="en-US" sz="3400" b="0" i="0" u="none" strike="noStrike" cap="none">
+                <a:solidFill>
+                  <a:schemeClr val="lt1"/>
+                </a:solidFill>
+                <a:latin typeface="Courier New"/>
+                <a:ea typeface="Courier New"/>
+                <a:cs typeface="Courier New"/>
+                <a:sym typeface="Courier New"/>
+              </a:rPr>
+              <a:t>)</a:t>
+            </a:r>
+          </a:p>
+          <a:p>
+            <a:pPr marL="0" marR="0" lvl="0" indent="0" algn="l" rtl="0">
+              <a:lnSpc>
+                <a:spcPct val="100000"/>
+              </a:lnSpc>
+              <a:spcBef>
+                <a:spcPts val="0"/>
+              </a:spcBef>
+              <a:spcAft>
+                <a:spcPts val="0"/>
+              </a:spcAft>
+              <a:buClr>
+                <a:schemeClr val="lt1"/>
+              </a:buClr>
+              <a:buSzPct val="25000"/>
+              <a:buFont typeface="Cabin"/>
+              <a:buNone/>
+            </a:pPr>
+            <a:r>
+              <a:rPr lang="en-US" sz="3400" b="0" i="0" u="none" strike="noStrike" cap="none">
+                <a:solidFill>
+                  <a:schemeClr val="lt1"/>
+                </a:solidFill>
+                <a:latin typeface="Courier New"/>
+                <a:ea typeface="Courier New"/>
+                <a:cs typeface="Courier New"/>
+                <a:sym typeface="Courier New"/>
+              </a:rPr>
+              <a:t>&lt;type 'int'&gt;</a:t>
+            </a:r>
+          </a:p>
+          <a:p>
+            <a:pPr marL="0" marR="0" lvl="0" indent="0" algn="l" rtl="0">
+              <a:lnSpc>
+                <a:spcPct val="100000"/>
+              </a:lnSpc>
+              <a:spcBef>
+                <a:spcPts val="0"/>
+              </a:spcBef>
+              <a:spcAft>
+                <a:spcPts val="0"/>
+              </a:spcAft>
+              <a:buClr>
+                <a:schemeClr val="lt1"/>
+              </a:buClr>
+              <a:buSzPct val="25000"/>
+              <a:buFont typeface="Cabin"/>
+              <a:buNone/>
+            </a:pPr>
+            <a:r>
+              <a:rPr lang="en-US" sz="3400" b="0" i="0" u="none" strike="noStrike" cap="none">
+                <a:solidFill>
+                  <a:schemeClr val="lt1"/>
+                </a:solidFill>
+                <a:latin typeface="Courier New"/>
+                <a:ea typeface="Courier New"/>
+                <a:cs typeface="Courier New"/>
+                <a:sym typeface="Courier New"/>
+              </a:rPr>
+              <a:t>&gt;&gt;&gt; </a:t>
+            </a:r>
+            <a:r>
+              <a:rPr lang="en-US" sz="3400" b="0" i="0" u="none" strike="noStrike" cap="none">
+                <a:solidFill>
+                  <a:srgbClr val="00FF00"/>
+                </a:solidFill>
+                <a:latin typeface="Courier New"/>
+                <a:ea typeface="Courier New"/>
+                <a:cs typeface="Courier New"/>
+                <a:sym typeface="Courier New"/>
+              </a:rPr>
+              <a:t>temp</a:t>
+            </a:r>
+            <a:r>
+              <a:rPr lang="en-US" sz="3400" b="0" i="0" u="none" strike="noStrike" cap="none">
+                <a:solidFill>
+                  <a:schemeClr val="lt1"/>
+                </a:solidFill>
+                <a:latin typeface="Courier New"/>
+                <a:ea typeface="Courier New"/>
+                <a:cs typeface="Courier New"/>
+                <a:sym typeface="Courier New"/>
+              </a:rPr>
+              <a:t> = 98.6</a:t>
+            </a:r>
+          </a:p>
+          <a:p>
+            <a:pPr marL="0" marR="0" lvl="0" indent="0" algn="l" rtl="0">
+              <a:lnSpc>
+                <a:spcPct val="100000"/>
+              </a:lnSpc>
+              <a:spcBef>
+                <a:spcPts val="0"/>
+              </a:spcBef>
+              <a:spcAft>
+                <a:spcPts val="0"/>
+              </a:spcAft>
+              <a:buClr>
+                <a:schemeClr val="lt1"/>
+              </a:buClr>
+              <a:buSzPct val="25000"/>
+              <a:buFont typeface="Cabin"/>
+              <a:buNone/>
+            </a:pPr>
+            <a:r>
+              <a:rPr lang="en-US" sz="3400" b="0" i="0" u="none" strike="noStrike" cap="none">
+                <a:solidFill>
+                  <a:schemeClr val="lt1"/>
+                </a:solidFill>
+                <a:latin typeface="Courier New"/>
+                <a:ea typeface="Courier New"/>
+                <a:cs typeface="Courier New"/>
+                <a:sym typeface="Courier New"/>
+              </a:rPr>
+              <a:t>&gt;&gt;&gt; </a:t>
+            </a:r>
+            <a:r>
+              <a:rPr lang="en-US" sz="3400" b="0" i="0" u="none" strike="noStrike" cap="none">
+                <a:solidFill>
+                  <a:srgbClr val="FFFF00"/>
+                </a:solidFill>
+                <a:latin typeface="Courier New"/>
+                <a:ea typeface="Courier New"/>
+                <a:cs typeface="Courier New"/>
+                <a:sym typeface="Courier New"/>
+              </a:rPr>
+              <a:t>type</a:t>
+            </a:r>
+            <a:r>
+              <a:rPr lang="en-US" sz="3400" b="0" i="0" u="none" strike="noStrike" cap="none">
+                <a:solidFill>
+                  <a:schemeClr val="lt1"/>
+                </a:solidFill>
+                <a:latin typeface="Courier New"/>
+                <a:ea typeface="Courier New"/>
+                <a:cs typeface="Courier New"/>
+                <a:sym typeface="Courier New"/>
+              </a:rPr>
+              <a:t>(</a:t>
+            </a:r>
+            <a:r>
+              <a:rPr lang="en-US" sz="3400" b="0" i="0" u="none" strike="noStrike" cap="none">
+                <a:solidFill>
+                  <a:srgbClr val="00FF00"/>
+                </a:solidFill>
+                <a:latin typeface="Courier New"/>
+                <a:ea typeface="Courier New"/>
+                <a:cs typeface="Courier New"/>
+                <a:sym typeface="Courier New"/>
+              </a:rPr>
+              <a:t>temp</a:t>
+            </a:r>
+            <a:r>
+              <a:rPr lang="en-US" sz="3400" b="0" i="0" u="none" strike="noStrike" cap="none">
+                <a:solidFill>
+                  <a:schemeClr val="lt1"/>
+                </a:solidFill>
+                <a:latin typeface="Courier New"/>
+                <a:ea typeface="Courier New"/>
+                <a:cs typeface="Courier New"/>
+                <a:sym typeface="Courier New"/>
+              </a:rPr>
+              <a:t>)</a:t>
+            </a:r>
+          </a:p>
+          <a:p>
+            <a:pPr marL="0" marR="0" lvl="0" indent="0" algn="l" rtl="0">
+              <a:lnSpc>
+                <a:spcPct val="100000"/>
+              </a:lnSpc>
+              <a:spcBef>
+                <a:spcPts val="0"/>
+              </a:spcBef>
+              <a:spcAft>
+                <a:spcPts val="0"/>
+              </a:spcAft>
+              <a:buClr>
+                <a:schemeClr val="lt1"/>
+              </a:buClr>
+              <a:buSzPct val="25000"/>
+              <a:buFont typeface="Cabin"/>
+              <a:buNone/>
+            </a:pPr>
+            <a:r>
+              <a:rPr lang="en-US" sz="3400" b="0" i="0" u="none" strike="noStrike" cap="none">
+                <a:solidFill>
+                  <a:schemeClr val="lt1"/>
+                </a:solidFill>
+                <a:latin typeface="Courier New"/>
+                <a:ea typeface="Courier New"/>
+                <a:cs typeface="Courier New"/>
+                <a:sym typeface="Courier New"/>
+              </a:rPr>
+              <a:t>&lt;type 'float'&gt;</a:t>
+            </a:r>
+          </a:p>
+          <a:p>
+            <a:pPr marL="0" marR="0" lvl="0" indent="0" algn="l" rtl="0">
+              <a:lnSpc>
+                <a:spcPct val="100000"/>
+              </a:lnSpc>
+              <a:spcBef>
+                <a:spcPts val="0"/>
+              </a:spcBef>
+              <a:spcAft>
+                <a:spcPts val="0"/>
+              </a:spcAft>
+              <a:buClr>
+                <a:schemeClr val="lt1"/>
+              </a:buClr>
+              <a:buSzPct val="25000"/>
+              <a:buFont typeface="Cabin"/>
+              <a:buNone/>
+            </a:pPr>
+            <a:r>
+              <a:rPr lang="en-US" sz="3400" b="0" i="0" u="none" strike="noStrike" cap="none">
+                <a:solidFill>
+                  <a:schemeClr val="lt1"/>
+                </a:solidFill>
+                <a:latin typeface="Courier New"/>
+                <a:ea typeface="Courier New"/>
+                <a:cs typeface="Courier New"/>
+                <a:sym typeface="Courier New"/>
+              </a:rPr>
+              <a:t>&gt;&gt;&gt; </a:t>
+            </a:r>
+            <a:r>
+              <a:rPr lang="en-US" sz="3400" b="0" i="0" u="none" strike="noStrike" cap="none">
+                <a:solidFill>
+                  <a:srgbClr val="FFFF00"/>
+                </a:solidFill>
+                <a:latin typeface="Courier New"/>
+                <a:ea typeface="Courier New"/>
+                <a:cs typeface="Courier New"/>
+                <a:sym typeface="Courier New"/>
+              </a:rPr>
+              <a:t>type</a:t>
+            </a:r>
+            <a:r>
+              <a:rPr lang="en-US" sz="3400" b="0" i="0" u="none" strike="noStrike" cap="none">
+                <a:solidFill>
+                  <a:schemeClr val="lt1"/>
+                </a:solidFill>
+                <a:latin typeface="Courier New"/>
+                <a:ea typeface="Courier New"/>
+                <a:cs typeface="Courier New"/>
+                <a:sym typeface="Courier New"/>
+              </a:rPr>
+              <a:t>(1)</a:t>
+            </a:r>
+          </a:p>
+          <a:p>
+            <a:pPr marL="0" marR="0" lvl="0" indent="0" algn="l" rtl="0">
+              <a:lnSpc>
+                <a:spcPct val="100000"/>
+              </a:lnSpc>
+              <a:spcBef>
+                <a:spcPts val="0"/>
+              </a:spcBef>
+              <a:spcAft>
+                <a:spcPts val="0"/>
+              </a:spcAft>
+              <a:buClr>
+                <a:schemeClr val="lt1"/>
+              </a:buClr>
+              <a:buSzPct val="25000"/>
+              <a:buFont typeface="Cabin"/>
+              <a:buNone/>
+            </a:pPr>
+            <a:r>
+              <a:rPr lang="en-US" sz="3400" b="0" i="0" u="none" strike="noStrike" cap="none">
+                <a:solidFill>
+                  <a:schemeClr val="lt1"/>
+                </a:solidFill>
+                <a:latin typeface="Courier New"/>
+                <a:ea typeface="Courier New"/>
+                <a:cs typeface="Courier New"/>
+                <a:sym typeface="Courier New"/>
+              </a:rPr>
+              <a:t>&lt;type 'int'&gt;</a:t>
+            </a:r>
+          </a:p>
+          <a:p>
+            <a:pPr marL="0" marR="0" lvl="0" indent="0" algn="l" rtl="0">
+              <a:lnSpc>
+                <a:spcPct val="100000"/>
+              </a:lnSpc>
+              <a:spcBef>
+                <a:spcPts val="0"/>
+              </a:spcBef>
+              <a:spcAft>
+                <a:spcPts val="0"/>
+              </a:spcAft>
+              <a:buClr>
+                <a:schemeClr val="lt1"/>
+              </a:buClr>
+              <a:buSzPct val="25000"/>
+              <a:buFont typeface="Cabin"/>
+              <a:buNone/>
+            </a:pPr>
+            <a:r>
+              <a:rPr lang="en-US" sz="3400" b="0" i="0" u="none" strike="noStrike" cap="none">
+                <a:solidFill>
+                  <a:schemeClr val="lt1"/>
+                </a:solidFill>
+                <a:latin typeface="Courier New"/>
+                <a:ea typeface="Courier New"/>
+                <a:cs typeface="Courier New"/>
+                <a:sym typeface="Courier New"/>
+              </a:rPr>
+              <a:t>&gt;&gt;&gt; </a:t>
+            </a:r>
+            <a:r>
+              <a:rPr lang="en-US" sz="3400" b="0" i="0" u="none" strike="noStrike" cap="none">
+                <a:solidFill>
+                  <a:srgbClr val="FFFF00"/>
+                </a:solidFill>
+                <a:latin typeface="Courier New"/>
+                <a:ea typeface="Courier New"/>
+                <a:cs typeface="Courier New"/>
+                <a:sym typeface="Courier New"/>
+              </a:rPr>
+              <a:t>type</a:t>
+            </a:r>
+            <a:r>
+              <a:rPr lang="en-US" sz="3400" b="0" i="0" u="none" strike="noStrike" cap="none">
+                <a:solidFill>
+                  <a:schemeClr val="lt1"/>
+                </a:solidFill>
+                <a:latin typeface="Courier New"/>
+                <a:ea typeface="Courier New"/>
+                <a:cs typeface="Courier New"/>
+                <a:sym typeface="Courier New"/>
+              </a:rPr>
+              <a:t>(1.0)</a:t>
+            </a:r>
+          </a:p>
+          <a:p>
+            <a:pPr marL="0" marR="0" lvl="0" indent="0" algn="l" rtl="0">
+              <a:lnSpc>
+                <a:spcPct val="100000"/>
+              </a:lnSpc>
+              <a:spcBef>
+                <a:spcPts val="0"/>
+              </a:spcBef>
+              <a:spcAft>
+                <a:spcPts val="0"/>
+              </a:spcAft>
+              <a:buClr>
+                <a:schemeClr val="lt1"/>
+              </a:buClr>
+              <a:buSzPct val="25000"/>
+              <a:buFont typeface="Cabin"/>
+              <a:buNone/>
+            </a:pPr>
+            <a:r>
+              <a:rPr lang="en-US" sz="3400" b="0" i="0" u="none" strike="noStrike" cap="none">
+                <a:solidFill>
+                  <a:schemeClr val="lt1"/>
+                </a:solidFill>
+                <a:latin typeface="Courier New"/>
+                <a:ea typeface="Courier New"/>
+                <a:cs typeface="Courier New"/>
+                <a:sym typeface="Courier New"/>
+              </a:rPr>
+              <a:t>&lt;type 'float'&gt;</a:t>
+            </a:r>
+          </a:p>
+          <a:p>
+            <a:pPr marL="0" marR="0" lvl="0" indent="0" algn="l" rtl="0">
+              <a:lnSpc>
+                <a:spcPct val="100000"/>
+              </a:lnSpc>
+              <a:spcBef>
+                <a:spcPts val="0"/>
+              </a:spcBef>
+              <a:spcAft>
+                <a:spcPts val="0"/>
+              </a:spcAft>
+              <a:buClr>
+                <a:schemeClr val="lt1"/>
+              </a:buClr>
+              <a:buSzPct val="25000"/>
+              <a:buFont typeface="Cabin"/>
+              <a:buNone/>
+            </a:pPr>
+            <a:r>
+              <a:rPr lang="en-US" sz="3400" b="0" i="0" u="none" strike="noStrike" cap="none">
+                <a:solidFill>
+                  <a:schemeClr val="lt1"/>
+                </a:solidFill>
+                <a:latin typeface="Courier New"/>
+                <a:ea typeface="Courier New"/>
+                <a:cs typeface="Courier New"/>
+                <a:sym typeface="Courier New"/>
+              </a:rPr>
+              <a:t>&gt;&gt;&gt; </a:t>
+            </a:r>
+          </a:p>
+        </p:txBody>
+      </p:sp>
+    </p:spTree>
+    <p:extLst>
+      <p:ext uri="{BB962C8B-B14F-4D97-AF65-F5344CB8AC3E}">
+        <p14:creationId xmlns:p14="http://schemas.microsoft.com/office/powerpoint/2010/main" val="1293095397"/>
+      </p:ext>
+    </p:extLst>
+  </p:cSld>
+  <p:clrMapOvr>
+    <a:masterClrMapping/>
+  </p:clrMapOvr>
+</p:sld>
+</file>
+
+<file path=ppt/slides/slide3.xml><?xml version="1.0" encoding="utf-8"?>
+<p:sld xmlns:a="http://schemas.openxmlformats.org/drawingml/2006/main" xmlns:r="http://schemas.openxmlformats.org/officeDocument/2006/relationships" xmlns:p="http://schemas.openxmlformats.org/presentationml/2006/main">
+  <p:cSld>
+    <p:spTree>
+      <p:nvGrpSpPr>
         <p:cNvPr id="1" name="Shape 249"/>
         <p:cNvGrpSpPr/>
         <p:nvPr/>
@@ -26172,7 +28078,7 @@
 </p:sld>
 </file>
 
-<file path=ppt/slides/slide3.xml><?xml version="1.0" encoding="utf-8"?>
+<file path=ppt/slides/slide4.xml><?xml version="1.0" encoding="utf-8"?>
 <p:sld xmlns:a="http://schemas.openxmlformats.org/drawingml/2006/main" xmlns:r="http://schemas.openxmlformats.org/officeDocument/2006/relationships" xmlns:p="http://schemas.openxmlformats.org/presentationml/2006/main">
   <p:cSld>
     <p:spTree>
@@ -27019,7 +28925,7 @@
 </p:sld>
 </file>
 
-<file path=ppt/slides/slide4.xml><?xml version="1.0" encoding="utf-8"?>
+<file path=ppt/slides/slide5.xml><?xml version="1.0" encoding="utf-8"?>
 <p:sld xmlns:a="http://schemas.openxmlformats.org/drawingml/2006/main" xmlns:r="http://schemas.openxmlformats.org/officeDocument/2006/relationships" xmlns:p="http://schemas.openxmlformats.org/presentationml/2006/main">
   <p:cSld>
     <p:spTree>
@@ -28045,7 +29951,7 @@
 </p:sld>
 </file>
 
-<file path=ppt/slides/slide5.xml><?xml version="1.0" encoding="utf-8"?>
+<file path=ppt/slides/slide6.xml><?xml version="1.0" encoding="utf-8"?>
 <p:sld xmlns:a="http://schemas.openxmlformats.org/drawingml/2006/main" xmlns:r="http://schemas.openxmlformats.org/officeDocument/2006/relationships" xmlns:p="http://schemas.openxmlformats.org/presentationml/2006/main">
   <p:cSld>
     <p:spTree>
@@ -28427,7 +30333,7 @@
 </p:sld>
 </file>
 
-<file path=ppt/slides/slide6.xml><?xml version="1.0" encoding="utf-8"?>
+<file path=ppt/slides/slide7.xml><?xml version="1.0" encoding="utf-8"?>
 <p:sld xmlns:a="http://schemas.openxmlformats.org/drawingml/2006/main" xmlns:r="http://schemas.openxmlformats.org/officeDocument/2006/relationships" xmlns:p="http://schemas.openxmlformats.org/presentationml/2006/main">
   <p:cSld>
     <p:spTree>
@@ -28699,7 +30605,7 @@
 </p:sld>
 </file>
 
-<file path=ppt/slides/slide7.xml><?xml version="1.0" encoding="utf-8"?>
+<file path=ppt/slides/slide8.xml><?xml version="1.0" encoding="utf-8"?>
 <p:sld xmlns:a="http://schemas.openxmlformats.org/drawingml/2006/main" xmlns:r="http://schemas.openxmlformats.org/officeDocument/2006/relationships" xmlns:p="http://schemas.openxmlformats.org/presentationml/2006/main">
   <p:cSld>
     <p:spTree>
@@ -29521,7 +31427,7 @@
 </p:sld>
 </file>
 
-<file path=ppt/slides/slide8.xml><?xml version="1.0" encoding="utf-8"?>
+<file path=ppt/slides/slide9.xml><?xml version="1.0" encoding="utf-8"?>
 <p:sld xmlns:a="http://schemas.openxmlformats.org/drawingml/2006/main" xmlns:r="http://schemas.openxmlformats.org/officeDocument/2006/relationships" xmlns:p="http://schemas.openxmlformats.org/presentationml/2006/main">
   <p:cSld>
     <p:spTree>
@@ -30067,951 +31973,6 @@
               <a:buNone/>
             </a:pPr>
             <a:endParaRPr/>
-          </a:p>
-        </p:txBody>
-      </p:sp>
-    </p:spTree>
-  </p:cSld>
-  <p:clrMapOvr>
-    <a:masterClrMapping/>
-  </p:clrMapOvr>
-</p:sld>
-</file>
-
-<file path=ppt/slides/slide9.xml><?xml version="1.0" encoding="utf-8"?>
-<p:sld xmlns:a="http://schemas.openxmlformats.org/drawingml/2006/main" xmlns:r="http://schemas.openxmlformats.org/officeDocument/2006/relationships" xmlns:p="http://schemas.openxmlformats.org/presentationml/2006/main">
-  <p:cSld>
-    <p:spTree>
-      <p:nvGrpSpPr>
-        <p:cNvPr id="1" name="Shape 319"/>
-        <p:cNvGrpSpPr/>
-        <p:nvPr/>
-      </p:nvGrpSpPr>
-      <p:grpSpPr>
-        <a:xfrm>
-          <a:off x="0" y="0"/>
-          <a:ext cx="0" cy="0"/>
-          <a:chOff x="0" y="0"/>
-          <a:chExt cx="0" cy="0"/>
-        </a:xfrm>
-      </p:grpSpPr>
-      <p:sp>
-        <p:nvSpPr>
-          <p:cNvPr id="320" name="Shape 320"/>
-          <p:cNvSpPr txBox="1"/>
-          <p:nvPr/>
-        </p:nvSpPr>
-        <p:spPr>
-          <a:xfrm>
-            <a:off x="6362700" y="3632200"/>
-            <a:ext cx="8843961" cy="914400"/>
-          </a:xfrm>
-          <a:prstGeom prst="rect">
-            <a:avLst/>
-          </a:prstGeom>
-          <a:noFill/>
-          <a:ln>
-            <a:noFill/>
-          </a:ln>
-        </p:spPr>
-        <p:txBody>
-          <a:bodyPr lIns="0" tIns="0" rIns="0" bIns="0" anchor="ctr" anchorCtr="0">
-            <a:noAutofit/>
-          </a:bodyPr>
-          <a:lstStyle/>
-          <a:p>
-            <a:pPr marL="0" marR="0" lvl="0" indent="0" algn="l" rtl="0">
-              <a:lnSpc>
-                <a:spcPct val="100000"/>
-              </a:lnSpc>
-              <a:spcBef>
-                <a:spcPts val="0"/>
-              </a:spcBef>
-              <a:spcAft>
-                <a:spcPts val="0"/>
-              </a:spcAft>
-              <a:buClr>
-                <a:srgbClr val="FF00FF"/>
-              </a:buClr>
-              <a:buSzPct val="25000"/>
-              <a:buFont typeface="Cabin"/>
-              <a:buNone/>
-            </a:pPr>
-            <a:r>
-              <a:rPr lang="en-US" sz="5600" b="0" i="0" u="none" strike="noStrike" cap="none">
-                <a:solidFill>
-                  <a:srgbClr val="00FF00"/>
-                </a:solidFill>
-                <a:latin typeface="Cabin"/>
-                <a:ea typeface="Cabin"/>
-                <a:cs typeface="Cabin"/>
-                <a:sym typeface="Cabin"/>
-              </a:rPr>
-              <a:t>x</a:t>
-            </a:r>
-            <a:r>
-              <a:rPr lang="en-US" sz="5600" b="0" i="0" u="none" strike="noStrike" cap="none">
-                <a:solidFill>
-                  <a:srgbClr val="FF00FF"/>
-                </a:solidFill>
-                <a:latin typeface="Cabin"/>
-                <a:ea typeface="Cabin"/>
-                <a:cs typeface="Cabin"/>
-                <a:sym typeface="Cabin"/>
-              </a:rPr>
-              <a:t> </a:t>
-            </a:r>
-            <a:r>
-              <a:rPr lang="en-US" sz="5600" b="0" i="0" u="none" strike="noStrike" cap="none">
-                <a:solidFill>
-                  <a:srgbClr val="FFFFFF"/>
-                </a:solidFill>
-                <a:latin typeface="Cabin"/>
-                <a:ea typeface="Cabin"/>
-                <a:cs typeface="Cabin"/>
-                <a:sym typeface="Cabin"/>
-              </a:rPr>
-              <a:t>=</a:t>
-            </a:r>
-            <a:r>
-              <a:rPr lang="en-US" sz="5600" b="0" i="0" u="none" strike="noStrike" cap="none">
-                <a:solidFill>
-                  <a:schemeClr val="lt1"/>
-                </a:solidFill>
-                <a:latin typeface="Cabin"/>
-                <a:ea typeface="Cabin"/>
-                <a:cs typeface="Cabin"/>
-                <a:sym typeface="Cabin"/>
-              </a:rPr>
-              <a:t> </a:t>
-            </a:r>
-            <a:r>
-              <a:rPr lang="en-US" sz="5600" b="0" i="0" u="none" strike="noStrike" cap="none">
-                <a:solidFill>
-                  <a:srgbClr val="FFFF00"/>
-                </a:solidFill>
-                <a:latin typeface="Cabin"/>
-                <a:ea typeface="Cabin"/>
-                <a:cs typeface="Cabin"/>
-                <a:sym typeface="Cabin"/>
-              </a:rPr>
-              <a:t>3.9   *   x   *   (  1   -   x  )</a:t>
-            </a:r>
-          </a:p>
-        </p:txBody>
-      </p:sp>
-      <p:sp>
-        <p:nvSpPr>
-          <p:cNvPr id="321" name="Shape 321"/>
-          <p:cNvSpPr txBox="1"/>
-          <p:nvPr/>
-        </p:nvSpPr>
-        <p:spPr>
-          <a:xfrm>
-            <a:off x="10668000" y="850900"/>
-            <a:ext cx="5016500" cy="1270000"/>
-          </a:xfrm>
-          <a:prstGeom prst="rect">
-            <a:avLst/>
-          </a:prstGeom>
-          <a:noFill/>
-          <a:ln w="76200" cap="flat" cmpd="sng">
-            <a:solidFill>
-              <a:srgbClr val="00FFFF"/>
-            </a:solidFill>
-            <a:prstDash val="solid"/>
-            <a:round/>
-            <a:headEnd type="none" w="med" len="med"/>
-            <a:tailEnd type="none" w="med" len="med"/>
-          </a:ln>
-        </p:spPr>
-        <p:txBody>
-          <a:bodyPr lIns="0" tIns="0" rIns="0" bIns="0" anchor="ctr" anchorCtr="0">
-            <a:noAutofit/>
-          </a:bodyPr>
-          <a:lstStyle/>
-          <a:p>
-            <a:pPr marL="0" marR="0" lvl="0" indent="0" algn="l" rtl="0">
-              <a:lnSpc>
-                <a:spcPct val="100000"/>
-              </a:lnSpc>
-              <a:spcBef>
-                <a:spcPts val="0"/>
-              </a:spcBef>
-              <a:spcAft>
-                <a:spcPts val="0"/>
-              </a:spcAft>
-              <a:buClr>
-                <a:schemeClr val="lt1"/>
-              </a:buClr>
-              <a:buSzPct val="25000"/>
-              <a:buFont typeface="Cabin"/>
-              <a:buNone/>
-            </a:pPr>
-            <a:r>
-              <a:rPr lang="en-US" sz="4900">
-                <a:solidFill>
-                  <a:schemeClr val="lt1"/>
-                </a:solidFill>
-                <a:latin typeface="Cabin"/>
-                <a:ea typeface="Cabin"/>
-                <a:cs typeface="Cabin"/>
-                <a:sym typeface="Cabin"/>
-              </a:rPr>
-              <a:t> </a:t>
-            </a:r>
-            <a:r>
-              <a:rPr lang="en-US" sz="4900" b="0" i="0" u="none" strike="noStrike" cap="none">
-                <a:solidFill>
-                  <a:schemeClr val="lt1"/>
-                </a:solidFill>
-                <a:latin typeface="Cabin"/>
-                <a:ea typeface="Cabin"/>
-                <a:cs typeface="Cabin"/>
-                <a:sym typeface="Cabin"/>
-              </a:rPr>
-              <a:t>0.6</a:t>
-            </a:r>
-          </a:p>
-        </p:txBody>
-      </p:sp>
-      <p:sp>
-        <p:nvSpPr>
-          <p:cNvPr id="322" name="Shape 322"/>
-          <p:cNvSpPr txBox="1"/>
-          <p:nvPr/>
-        </p:nvSpPr>
-        <p:spPr>
-          <a:xfrm>
-            <a:off x="9813925" y="1047750"/>
-            <a:ext cx="444500" cy="863599"/>
-          </a:xfrm>
-          <a:prstGeom prst="rect">
-            <a:avLst/>
-          </a:prstGeom>
-          <a:noFill/>
-          <a:ln>
-            <a:noFill/>
-          </a:ln>
-        </p:spPr>
-        <p:txBody>
-          <a:bodyPr lIns="0" tIns="0" rIns="0" bIns="0" anchor="ctr" anchorCtr="0">
-            <a:noAutofit/>
-          </a:bodyPr>
-          <a:lstStyle/>
-          <a:p>
-            <a:pPr marL="0" marR="0" lvl="0" indent="0" algn="ctr" rtl="0">
-              <a:lnSpc>
-                <a:spcPct val="100000"/>
-              </a:lnSpc>
-              <a:spcBef>
-                <a:spcPts val="0"/>
-              </a:spcBef>
-              <a:spcAft>
-                <a:spcPts val="0"/>
-              </a:spcAft>
-              <a:buClr>
-                <a:srgbClr val="00FF00"/>
-              </a:buClr>
-              <a:buSzPct val="25000"/>
-              <a:buFont typeface="Cabin"/>
-              <a:buNone/>
-            </a:pPr>
-            <a:r>
-              <a:rPr lang="en-US" sz="5200" b="0" i="0" u="none" strike="noStrike" cap="none">
-                <a:solidFill>
-                  <a:srgbClr val="00FF00"/>
-                </a:solidFill>
-                <a:latin typeface="Cabin"/>
-                <a:ea typeface="Cabin"/>
-                <a:cs typeface="Cabin"/>
-                <a:sym typeface="Cabin"/>
-              </a:rPr>
-              <a:t>x</a:t>
-            </a:r>
-          </a:p>
-        </p:txBody>
-      </p:sp>
-      <p:sp>
-        <p:nvSpPr>
-          <p:cNvPr id="323" name="Shape 323"/>
-          <p:cNvSpPr txBox="1"/>
-          <p:nvPr/>
-        </p:nvSpPr>
-        <p:spPr>
-          <a:xfrm>
-            <a:off x="581025" y="6477000"/>
-            <a:ext cx="7068300" cy="1663800"/>
-          </a:xfrm>
-          <a:prstGeom prst="rect">
-            <a:avLst/>
-          </a:prstGeom>
-          <a:noFill/>
-          <a:ln>
-            <a:noFill/>
-          </a:ln>
-        </p:spPr>
-        <p:txBody>
-          <a:bodyPr lIns="0" tIns="0" rIns="0" bIns="0" anchor="ctr" anchorCtr="0">
-            <a:noAutofit/>
-          </a:bodyPr>
-          <a:lstStyle/>
-          <a:p>
-            <a:pPr marL="0" marR="0" lvl="0" indent="0" rtl="0">
-              <a:lnSpc>
-                <a:spcPct val="100000"/>
-              </a:lnSpc>
-              <a:spcBef>
-                <a:spcPts val="0"/>
-              </a:spcBef>
-              <a:spcAft>
-                <a:spcPts val="0"/>
-              </a:spcAft>
-              <a:buClr>
-                <a:srgbClr val="FFFF00"/>
-              </a:buClr>
-              <a:buSzPct val="25000"/>
-              <a:buFont typeface="Cabin"/>
-              <a:buNone/>
-            </a:pPr>
-            <a:r>
-              <a:rPr lang="en-US" sz="3600">
-                <a:solidFill>
-                  <a:srgbClr val="FFFF00"/>
-                </a:solidFill>
-                <a:latin typeface="Cabin"/>
-                <a:ea typeface="Cabin"/>
-                <a:cs typeface="Cabin"/>
-                <a:sym typeface="Cabin"/>
-              </a:rPr>
-              <a:t>The r</a:t>
-            </a:r>
-            <a:r>
-              <a:rPr lang="en-US" sz="3600" b="0" i="0" u="none" strike="noStrike" cap="none">
-                <a:solidFill>
-                  <a:srgbClr val="FFFF00"/>
-                </a:solidFill>
-                <a:latin typeface="Cabin"/>
-                <a:ea typeface="Cabin"/>
-                <a:cs typeface="Cabin"/>
-                <a:sym typeface="Cabin"/>
-              </a:rPr>
-              <a:t>ight side is an expression. </a:t>
-            </a:r>
-            <a:br>
-              <a:rPr lang="en-US" sz="3600" b="0" i="0" u="none" strike="noStrike" cap="none">
-                <a:solidFill>
-                  <a:srgbClr val="FFFF00"/>
-                </a:solidFill>
-                <a:latin typeface="Cabin"/>
-                <a:ea typeface="Cabin"/>
-                <a:cs typeface="Cabin"/>
-                <a:sym typeface="Cabin"/>
-              </a:rPr>
-            </a:br>
-            <a:r>
-              <a:rPr lang="en-US" sz="3600" b="0" i="0" u="none" strike="noStrike" cap="none">
-                <a:solidFill>
-                  <a:srgbClr val="FF9900"/>
-                </a:solidFill>
-                <a:latin typeface="Cabin"/>
-                <a:ea typeface="Cabin"/>
-                <a:cs typeface="Cabin"/>
-                <a:sym typeface="Cabin"/>
-              </a:rPr>
-              <a:t>Once</a:t>
-            </a:r>
-            <a:r>
-              <a:rPr lang="en-US" sz="3600">
-                <a:solidFill>
-                  <a:srgbClr val="FF9900"/>
-                </a:solidFill>
-                <a:latin typeface="Cabin"/>
-                <a:ea typeface="Cabin"/>
-                <a:cs typeface="Cabin"/>
-                <a:sym typeface="Cabin"/>
-              </a:rPr>
-              <a:t> </a:t>
-            </a:r>
-            <a:r>
-              <a:rPr lang="en-US" sz="3600" b="0" i="0" u="none" strike="noStrike" cap="none">
-                <a:solidFill>
-                  <a:srgbClr val="FF9900"/>
-                </a:solidFill>
-                <a:latin typeface="Cabin"/>
-                <a:ea typeface="Cabin"/>
-                <a:cs typeface="Cabin"/>
-                <a:sym typeface="Cabin"/>
-              </a:rPr>
-              <a:t>the expression is evaluated,</a:t>
-            </a:r>
-            <a:r>
-              <a:rPr lang="en-US" sz="3600" b="0" i="0" u="none" strike="noStrike" cap="none">
-                <a:solidFill>
-                  <a:schemeClr val="lt1"/>
-                </a:solidFill>
-                <a:latin typeface="Cabin"/>
-                <a:ea typeface="Cabin"/>
-                <a:cs typeface="Cabin"/>
-                <a:sym typeface="Cabin"/>
-              </a:rPr>
-              <a:t> </a:t>
-            </a:r>
-            <a:r>
-              <a:rPr lang="en-US" sz="3600" b="0" i="0" u="none" strike="noStrike" cap="none">
-                <a:solidFill>
-                  <a:srgbClr val="00FF00"/>
-                </a:solidFill>
-                <a:latin typeface="Cabin"/>
-                <a:ea typeface="Cabin"/>
-                <a:cs typeface="Cabin"/>
-                <a:sym typeface="Cabin"/>
-              </a:rPr>
-              <a:t>the result is placed in (assigned to) x.</a:t>
-            </a:r>
-          </a:p>
-        </p:txBody>
-      </p:sp>
-      <p:sp>
-        <p:nvSpPr>
-          <p:cNvPr id="324" name="Shape 324"/>
-          <p:cNvSpPr txBox="1"/>
-          <p:nvPr/>
-        </p:nvSpPr>
-        <p:spPr>
-          <a:xfrm>
-            <a:off x="9699625" y="2844800"/>
-            <a:ext cx="900000" cy="622199"/>
-          </a:xfrm>
-          <a:prstGeom prst="rect">
-            <a:avLst/>
-          </a:prstGeom>
-          <a:noFill/>
-          <a:ln>
-            <a:noFill/>
-          </a:ln>
-        </p:spPr>
-        <p:txBody>
-          <a:bodyPr lIns="0" tIns="0" rIns="0" bIns="0" anchor="ctr" anchorCtr="0">
-            <a:noAutofit/>
-          </a:bodyPr>
-          <a:lstStyle/>
-          <a:p>
-            <a:pPr marL="0" marR="0" lvl="0" indent="0" algn="ctr" rtl="0">
-              <a:lnSpc>
-                <a:spcPct val="100000"/>
-              </a:lnSpc>
-              <a:spcBef>
-                <a:spcPts val="0"/>
-              </a:spcBef>
-              <a:spcAft>
-                <a:spcPts val="0"/>
-              </a:spcAft>
-              <a:buClr>
-                <a:schemeClr val="lt1"/>
-              </a:buClr>
-              <a:buSzPct val="25000"/>
-              <a:buFont typeface="Cabin"/>
-              <a:buNone/>
-            </a:pPr>
-            <a:r>
-              <a:rPr lang="en-US" sz="3600" b="0" i="0" u="none" strike="noStrike" cap="none">
-                <a:solidFill>
-                  <a:schemeClr val="lt1"/>
-                </a:solidFill>
-                <a:latin typeface="Cabin"/>
-                <a:ea typeface="Cabin"/>
-                <a:cs typeface="Cabin"/>
-                <a:sym typeface="Cabin"/>
-              </a:rPr>
-              <a:t>0.6</a:t>
-            </a:r>
-          </a:p>
-        </p:txBody>
-      </p:sp>
-      <p:sp>
-        <p:nvSpPr>
-          <p:cNvPr id="325" name="Shape 325"/>
-          <p:cNvSpPr txBox="1"/>
-          <p:nvPr/>
-        </p:nvSpPr>
-        <p:spPr>
-          <a:xfrm>
-            <a:off x="12713125" y="3039312"/>
-            <a:ext cx="1063200" cy="622199"/>
-          </a:xfrm>
-          <a:prstGeom prst="rect">
-            <a:avLst/>
-          </a:prstGeom>
-          <a:noFill/>
-          <a:ln>
-            <a:noFill/>
-          </a:ln>
-        </p:spPr>
-        <p:txBody>
-          <a:bodyPr lIns="0" tIns="0" rIns="0" bIns="0" anchor="ctr" anchorCtr="0">
-            <a:noAutofit/>
-          </a:bodyPr>
-          <a:lstStyle/>
-          <a:p>
-            <a:pPr marL="0" marR="0" lvl="0" indent="0" algn="ctr" rtl="0">
-              <a:lnSpc>
-                <a:spcPct val="100000"/>
-              </a:lnSpc>
-              <a:spcBef>
-                <a:spcPts val="0"/>
-              </a:spcBef>
-              <a:spcAft>
-                <a:spcPts val="0"/>
-              </a:spcAft>
-              <a:buClr>
-                <a:schemeClr val="lt1"/>
-              </a:buClr>
-              <a:buSzPct val="25000"/>
-              <a:buFont typeface="Cabin"/>
-              <a:buNone/>
-            </a:pPr>
-            <a:r>
-              <a:rPr lang="en-US" sz="3600" b="0" i="0" u="none" strike="noStrike" cap="none">
-                <a:solidFill>
-                  <a:schemeClr val="lt1"/>
-                </a:solidFill>
-                <a:latin typeface="Cabin"/>
-                <a:ea typeface="Cabin"/>
-                <a:cs typeface="Cabin"/>
-                <a:sym typeface="Cabin"/>
-              </a:rPr>
-              <a:t>0.6</a:t>
-            </a:r>
-          </a:p>
-        </p:txBody>
-      </p:sp>
-      <p:cxnSp>
-        <p:nvCxnSpPr>
-          <p:cNvPr id="326" name="Shape 326"/>
-          <p:cNvCxnSpPr/>
-          <p:nvPr/>
-        </p:nvCxnSpPr>
-        <p:spPr>
-          <a:xfrm rot="10800000" flipH="1">
-            <a:off x="10323511" y="1925637"/>
-            <a:ext cx="606425" cy="849312"/>
-          </a:xfrm>
-          <a:prstGeom prst="straightConnector1">
-            <a:avLst/>
-          </a:prstGeom>
-          <a:noFill/>
-          <a:ln w="63500" cap="rnd" cmpd="sng">
-            <a:solidFill>
-              <a:schemeClr val="lt1"/>
-            </a:solidFill>
-            <a:prstDash val="solid"/>
-            <a:miter/>
-            <a:headEnd type="stealth" w="med" len="med"/>
-            <a:tailEnd type="none" w="med" len="med"/>
-          </a:ln>
-        </p:spPr>
-      </p:cxnSp>
-      <p:cxnSp>
-        <p:nvCxnSpPr>
-          <p:cNvPr id="327" name="Shape 327"/>
-          <p:cNvCxnSpPr>
-            <a:stCxn id="325" idx="0"/>
-          </p:cNvCxnSpPr>
-          <p:nvPr/>
-        </p:nvCxnSpPr>
-        <p:spPr>
-          <a:xfrm rot="10800000">
-            <a:off x="11207725" y="1976412"/>
-            <a:ext cx="2037000" cy="1062900"/>
-          </a:xfrm>
-          <a:prstGeom prst="straightConnector1">
-            <a:avLst/>
-          </a:prstGeom>
-          <a:noFill/>
-          <a:ln w="63500" cap="rnd" cmpd="sng">
-            <a:solidFill>
-              <a:schemeClr val="lt1"/>
-            </a:solidFill>
-            <a:prstDash val="solid"/>
-            <a:miter/>
-            <a:headEnd type="stealth" w="med" len="med"/>
-            <a:tailEnd type="none" w="med" len="med"/>
-          </a:ln>
-        </p:spPr>
-      </p:cxnSp>
-      <p:sp>
-        <p:nvSpPr>
-          <p:cNvPr id="328" name="Shape 328"/>
-          <p:cNvSpPr txBox="1"/>
-          <p:nvPr/>
-        </p:nvSpPr>
-        <p:spPr>
-          <a:xfrm>
-            <a:off x="12150725" y="5054600"/>
-            <a:ext cx="1063200" cy="622199"/>
-          </a:xfrm>
-          <a:prstGeom prst="rect">
-            <a:avLst/>
-          </a:prstGeom>
-          <a:noFill/>
-          <a:ln>
-            <a:noFill/>
-          </a:ln>
-        </p:spPr>
-        <p:txBody>
-          <a:bodyPr lIns="0" tIns="0" rIns="0" bIns="0" anchor="ctr" anchorCtr="0">
-            <a:noAutofit/>
-          </a:bodyPr>
-          <a:lstStyle/>
-          <a:p>
-            <a:pPr marL="0" marR="0" lvl="0" indent="0" algn="ctr" rtl="0">
-              <a:lnSpc>
-                <a:spcPct val="100000"/>
-              </a:lnSpc>
-              <a:spcBef>
-                <a:spcPts val="0"/>
-              </a:spcBef>
-              <a:spcAft>
-                <a:spcPts val="0"/>
-              </a:spcAft>
-              <a:buClr>
-                <a:srgbClr val="FF7F00"/>
-              </a:buClr>
-              <a:buSzPct val="25000"/>
-              <a:buFont typeface="Cabin"/>
-              <a:buNone/>
-            </a:pPr>
-            <a:r>
-              <a:rPr lang="en-US" sz="3600" b="0" i="0" u="none" strike="noStrike" cap="none">
-                <a:solidFill>
-                  <a:srgbClr val="FF9900"/>
-                </a:solidFill>
-                <a:latin typeface="Cabin"/>
-                <a:ea typeface="Cabin"/>
-                <a:cs typeface="Cabin"/>
-                <a:sym typeface="Cabin"/>
-              </a:rPr>
-              <a:t>0</a:t>
-            </a:r>
-            <a:r>
-              <a:rPr lang="en-US" sz="3600" b="1" i="0" u="none" strike="noStrike" cap="none">
-                <a:solidFill>
-                  <a:srgbClr val="FF9900"/>
-                </a:solidFill>
-                <a:latin typeface="Cabin"/>
-                <a:ea typeface="Cabin"/>
-                <a:cs typeface="Cabin"/>
-                <a:sym typeface="Cabin"/>
-              </a:rPr>
-              <a:t>.</a:t>
-            </a:r>
-            <a:r>
-              <a:rPr lang="en-US" sz="3600" b="0" i="0" u="none" strike="noStrike" cap="none">
-                <a:solidFill>
-                  <a:srgbClr val="FF9900"/>
-                </a:solidFill>
-                <a:latin typeface="Cabin"/>
-                <a:ea typeface="Cabin"/>
-                <a:cs typeface="Cabin"/>
-                <a:sym typeface="Cabin"/>
-              </a:rPr>
-              <a:t>4</a:t>
-            </a:r>
-          </a:p>
-        </p:txBody>
-      </p:sp>
-      <p:cxnSp>
-        <p:nvCxnSpPr>
-          <p:cNvPr id="329" name="Shape 329"/>
-          <p:cNvCxnSpPr/>
-          <p:nvPr/>
-        </p:nvCxnSpPr>
-        <p:spPr>
-          <a:xfrm rot="10800000">
-            <a:off x="8085136" y="4718049"/>
-            <a:ext cx="2393950" cy="1857375"/>
-          </a:xfrm>
-          <a:prstGeom prst="straightConnector1">
-            <a:avLst/>
-          </a:prstGeom>
-          <a:noFill/>
-          <a:ln w="63500" cap="rnd" cmpd="sng">
-            <a:solidFill>
-              <a:srgbClr val="FF9900"/>
-            </a:solidFill>
-            <a:prstDash val="solid"/>
-            <a:miter/>
-            <a:headEnd type="stealth" w="med" len="med"/>
-            <a:tailEnd type="none" w="med" len="med"/>
-          </a:ln>
-        </p:spPr>
-      </p:cxnSp>
-      <p:cxnSp>
-        <p:nvCxnSpPr>
-          <p:cNvPr id="330" name="Shape 330"/>
-          <p:cNvCxnSpPr/>
-          <p:nvPr/>
-        </p:nvCxnSpPr>
-        <p:spPr>
-          <a:xfrm rot="10800000">
-            <a:off x="10115550" y="4579937"/>
-            <a:ext cx="796924" cy="1873249"/>
-          </a:xfrm>
-          <a:prstGeom prst="straightConnector1">
-            <a:avLst/>
-          </a:prstGeom>
-          <a:noFill/>
-          <a:ln w="63500" cap="rnd" cmpd="sng">
-            <a:solidFill>
-              <a:srgbClr val="FF9900"/>
-            </a:solidFill>
-            <a:prstDash val="solid"/>
-            <a:miter/>
-            <a:headEnd type="stealth" w="med" len="med"/>
-            <a:tailEnd type="none" w="med" len="med"/>
-          </a:ln>
-        </p:spPr>
-      </p:cxnSp>
-      <p:cxnSp>
-        <p:nvCxnSpPr>
-          <p:cNvPr id="331" name="Shape 331"/>
-          <p:cNvCxnSpPr>
-            <a:endCxn id="328" idx="2"/>
-          </p:cNvCxnSpPr>
-          <p:nvPr/>
-        </p:nvCxnSpPr>
-        <p:spPr>
-          <a:xfrm rot="10800000" flipH="1">
-            <a:off x="11555525" y="5676799"/>
-            <a:ext cx="1126800" cy="811200"/>
-          </a:xfrm>
-          <a:prstGeom prst="straightConnector1">
-            <a:avLst/>
-          </a:prstGeom>
-          <a:noFill/>
-          <a:ln w="63500" cap="rnd" cmpd="sng">
-            <a:solidFill>
-              <a:srgbClr val="FF9900"/>
-            </a:solidFill>
-            <a:prstDash val="solid"/>
-            <a:miter/>
-            <a:headEnd type="stealth" w="med" len="med"/>
-            <a:tailEnd type="none" w="med" len="med"/>
-          </a:ln>
-        </p:spPr>
-      </p:cxnSp>
-      <p:sp>
-        <p:nvSpPr>
-          <p:cNvPr id="332" name="Shape 332"/>
-          <p:cNvSpPr txBox="1"/>
-          <p:nvPr/>
-        </p:nvSpPr>
-        <p:spPr>
-          <a:xfrm>
-            <a:off x="10115550" y="6575425"/>
-            <a:ext cx="1732800" cy="622199"/>
-          </a:xfrm>
-          <a:prstGeom prst="rect">
-            <a:avLst/>
-          </a:prstGeom>
-          <a:noFill/>
-          <a:ln>
-            <a:noFill/>
-          </a:ln>
-        </p:spPr>
-        <p:txBody>
-          <a:bodyPr lIns="0" tIns="0" rIns="0" bIns="0" anchor="ctr" anchorCtr="0">
-            <a:noAutofit/>
-          </a:bodyPr>
-          <a:lstStyle/>
-          <a:p>
-            <a:pPr marL="0" marR="0" lvl="0" indent="0" algn="ctr" rtl="0">
-              <a:lnSpc>
-                <a:spcPct val="100000"/>
-              </a:lnSpc>
-              <a:spcBef>
-                <a:spcPts val="0"/>
-              </a:spcBef>
-              <a:spcAft>
-                <a:spcPts val="0"/>
-              </a:spcAft>
-              <a:buClr>
-                <a:srgbClr val="FF7F00"/>
-              </a:buClr>
-              <a:buSzPct val="25000"/>
-              <a:buFont typeface="Cabin"/>
-              <a:buNone/>
-            </a:pPr>
-            <a:r>
-              <a:rPr lang="en-US" sz="3600" b="0" i="0" u="none" strike="noStrike" cap="none">
-                <a:solidFill>
-                  <a:srgbClr val="FF9900"/>
-                </a:solidFill>
-                <a:latin typeface="Cabin"/>
-                <a:ea typeface="Cabin"/>
-                <a:cs typeface="Cabin"/>
-                <a:sym typeface="Cabin"/>
-              </a:rPr>
-              <a:t>0</a:t>
-            </a:r>
-            <a:r>
-              <a:rPr lang="en-US" sz="3600" b="1" i="0" u="none" strike="noStrike" cap="none">
-                <a:solidFill>
-                  <a:srgbClr val="FF9900"/>
-                </a:solidFill>
-                <a:latin typeface="Cabin"/>
-                <a:ea typeface="Cabin"/>
-                <a:cs typeface="Cabin"/>
-                <a:sym typeface="Cabin"/>
-              </a:rPr>
-              <a:t>.</a:t>
-            </a:r>
-            <a:r>
-              <a:rPr lang="en-US" sz="3600" b="0" i="0" u="none" strike="noStrike" cap="none">
-                <a:solidFill>
-                  <a:srgbClr val="FF9900"/>
-                </a:solidFill>
-                <a:latin typeface="Cabin"/>
-                <a:ea typeface="Cabin"/>
-                <a:cs typeface="Cabin"/>
-                <a:sym typeface="Cabin"/>
-              </a:rPr>
-              <a:t>936</a:t>
-            </a:r>
-          </a:p>
-        </p:txBody>
-      </p:sp>
-      <p:cxnSp>
-        <p:nvCxnSpPr>
-          <p:cNvPr id="333" name="Shape 333"/>
-          <p:cNvCxnSpPr/>
-          <p:nvPr/>
-        </p:nvCxnSpPr>
-        <p:spPr>
-          <a:xfrm rot="10800000" flipH="1">
-            <a:off x="13166725" y="4580012"/>
-            <a:ext cx="485699" cy="485699"/>
-          </a:xfrm>
-          <a:prstGeom prst="straightConnector1">
-            <a:avLst/>
-          </a:prstGeom>
-          <a:noFill/>
-          <a:ln w="63500" cap="rnd" cmpd="sng">
-            <a:solidFill>
-              <a:srgbClr val="FF9900"/>
-            </a:solidFill>
-            <a:prstDash val="solid"/>
-            <a:miter/>
-            <a:headEnd type="stealth" w="med" len="med"/>
-            <a:tailEnd type="none" w="med" len="med"/>
-          </a:ln>
-        </p:spPr>
-      </p:cxnSp>
-      <p:cxnSp>
-        <p:nvCxnSpPr>
-          <p:cNvPr id="334" name="Shape 334"/>
-          <p:cNvCxnSpPr/>
-          <p:nvPr/>
-        </p:nvCxnSpPr>
-        <p:spPr>
-          <a:xfrm rot="10800000">
-            <a:off x="11902974" y="4457799"/>
-            <a:ext cx="520800" cy="660300"/>
-          </a:xfrm>
-          <a:prstGeom prst="straightConnector1">
-            <a:avLst/>
-          </a:prstGeom>
-          <a:noFill/>
-          <a:ln w="63500" cap="rnd" cmpd="sng">
-            <a:solidFill>
-              <a:srgbClr val="FF9900"/>
-            </a:solidFill>
-            <a:prstDash val="solid"/>
-            <a:miter/>
-            <a:headEnd type="stealth" w="med" len="med"/>
-            <a:tailEnd type="none" w="med" len="med"/>
-          </a:ln>
-        </p:spPr>
-      </p:cxnSp>
-      <p:sp>
-        <p:nvSpPr>
-          <p:cNvPr id="335" name="Shape 335"/>
-          <p:cNvSpPr txBox="1"/>
-          <p:nvPr/>
-        </p:nvSpPr>
-        <p:spPr>
-          <a:xfrm>
-            <a:off x="581025" y="1085850"/>
-            <a:ext cx="6578599" cy="1143000"/>
-          </a:xfrm>
-          <a:prstGeom prst="rect">
-            <a:avLst/>
-          </a:prstGeom>
-          <a:noFill/>
-          <a:ln>
-            <a:noFill/>
-          </a:ln>
-        </p:spPr>
-        <p:txBody>
-          <a:bodyPr lIns="0" tIns="0" rIns="0" bIns="0" anchor="ctr" anchorCtr="0">
-            <a:noAutofit/>
-          </a:bodyPr>
-          <a:lstStyle/>
-          <a:p>
-            <a:pPr marL="0" marR="0" lvl="0" indent="0" rtl="0">
-              <a:lnSpc>
-                <a:spcPct val="100000"/>
-              </a:lnSpc>
-              <a:spcBef>
-                <a:spcPts val="0"/>
-              </a:spcBef>
-              <a:spcAft>
-                <a:spcPts val="0"/>
-              </a:spcAft>
-              <a:buClr>
-                <a:srgbClr val="00FF00"/>
-              </a:buClr>
-              <a:buSzPct val="25000"/>
-              <a:buFont typeface="Cabin"/>
-              <a:buNone/>
-            </a:pPr>
-            <a:r>
-              <a:rPr lang="en-US" sz="3600" b="0" i="0" u="none" strike="noStrike" cap="none">
-                <a:solidFill>
-                  <a:srgbClr val="00FF00"/>
-                </a:solidFill>
-                <a:latin typeface="Cabin"/>
-                <a:ea typeface="Cabin"/>
-                <a:cs typeface="Cabin"/>
-                <a:sym typeface="Cabin"/>
-              </a:rPr>
-              <a:t>A variable is a memory location used to store a value (</a:t>
-            </a:r>
-            <a:r>
-              <a:rPr lang="en-US" sz="3600" b="0" i="0" u="none" strike="noStrike" cap="none">
-                <a:solidFill>
-                  <a:srgbClr val="FFFFFF"/>
-                </a:solidFill>
-                <a:latin typeface="Cabin"/>
-                <a:ea typeface="Cabin"/>
-                <a:cs typeface="Cabin"/>
-                <a:sym typeface="Cabin"/>
-              </a:rPr>
-              <a:t>0.6</a:t>
-            </a:r>
-            <a:r>
-              <a:rPr lang="en-US" sz="3600" b="0" i="0" u="none" strike="noStrike" cap="none">
-                <a:solidFill>
-                  <a:srgbClr val="00FF00"/>
-                </a:solidFill>
-                <a:latin typeface="Cabin"/>
-                <a:ea typeface="Cabin"/>
-                <a:cs typeface="Cabin"/>
-                <a:sym typeface="Cabin"/>
-              </a:rPr>
-              <a:t>)</a:t>
-            </a:r>
           </a:p>
         </p:txBody>
       </p:sp>
